--- a/모바일 중간보고서 20093296 배판근.pptx
+++ b/모바일 중간보고서 20093296 배판근.pptx
@@ -5,17 +5,20 @@
     <p:sldMasterId id="2147483648" r:id="rId1"/>
   </p:sldMasterIdLst>
   <p:notesMasterIdLst>
-    <p:notesMasterId r:id="rId10"/>
+    <p:notesMasterId r:id="rId13"/>
   </p:notesMasterIdLst>
   <p:sldIdLst>
     <p:sldId id="256" r:id="rId2"/>
     <p:sldId id="265" r:id="rId3"/>
-    <p:sldId id="266" r:id="rId4"/>
-    <p:sldId id="260" r:id="rId5"/>
-    <p:sldId id="267" r:id="rId6"/>
-    <p:sldId id="268" r:id="rId7"/>
-    <p:sldId id="264" r:id="rId8"/>
-    <p:sldId id="263" r:id="rId9"/>
+    <p:sldId id="270" r:id="rId4"/>
+    <p:sldId id="271" r:id="rId5"/>
+    <p:sldId id="272" r:id="rId6"/>
+    <p:sldId id="266" r:id="rId7"/>
+    <p:sldId id="260" r:id="rId8"/>
+    <p:sldId id="267" r:id="rId9"/>
+    <p:sldId id="268" r:id="rId10"/>
+    <p:sldId id="264" r:id="rId11"/>
+    <p:sldId id="263" r:id="rId12"/>
   </p:sldIdLst>
   <p:sldSz cx="9144000" cy="6858000" type="screen4x3"/>
   <p:notesSz cx="6858000" cy="9144000"/>
@@ -215,7 +218,7 @@
           <a:p>
             <a:fld id="{0BB9906C-A9D3-4D49-8437-71C3F31AAA43}" type="datetimeFigureOut">
               <a:rPr lang="ko-KR" altLang="en-US" smtClean="0"/>
-              <a:t>2014-05-11</a:t>
+              <a:t>2014-05-12</a:t>
             </a:fld>
             <a:endParaRPr lang="ko-KR" altLang="en-US"/>
           </a:p>
@@ -618,6 +621,126 @@
 </p:notes>
 </file>
 
+<file path=ppt/notesSlides/notesSlide10.xml><?xml version="1.0" encoding="utf-8"?>
+<p:notes xmlns:a="http://schemas.openxmlformats.org/drawingml/2006/main" xmlns:r="http://schemas.openxmlformats.org/officeDocument/2006/relationships" xmlns:p="http://schemas.openxmlformats.org/presentationml/2006/main">
+  <p:cSld>
+    <p:spTree>
+      <p:nvGrpSpPr>
+        <p:cNvPr id="1" name=""/>
+        <p:cNvGrpSpPr/>
+        <p:nvPr/>
+      </p:nvGrpSpPr>
+      <p:grpSpPr>
+        <a:xfrm>
+          <a:off x="0" y="0"/>
+          <a:ext cx="0" cy="0"/>
+          <a:chOff x="0" y="0"/>
+          <a:chExt cx="0" cy="0"/>
+        </a:xfrm>
+      </p:grpSpPr>
+      <p:sp>
+        <p:nvSpPr>
+          <p:cNvPr id="2" name="슬라이드 이미지 개체 틀 1"/>
+          <p:cNvSpPr>
+            <a:spLocks noGrp="1" noRot="1" noChangeAspect="1"/>
+          </p:cNvSpPr>
+          <p:nvPr>
+            <p:ph type="sldImg"/>
+          </p:nvPr>
+        </p:nvSpPr>
+        <p:spPr/>
+      </p:sp>
+      <p:sp>
+        <p:nvSpPr>
+          <p:cNvPr id="3" name="슬라이드 노트 개체 틀 2"/>
+          <p:cNvSpPr>
+            <a:spLocks noGrp="1"/>
+          </p:cNvSpPr>
+          <p:nvPr>
+            <p:ph type="body" idx="1"/>
+          </p:nvPr>
+        </p:nvSpPr>
+        <p:spPr/>
+        <p:txBody>
+          <a:bodyPr/>
+          <a:lstStyle/>
+          <a:p>
+            <a:r>
+              <a:rPr lang="en-US" altLang="ko-KR" dirty="0" smtClean="0"/>
+              <a:t>basketball match app </a:t>
+            </a:r>
+            <a:r>
+              <a:rPr lang="ko-KR" altLang="en-US" dirty="0" smtClean="0"/>
+              <a:t>은 팀을 구성해서 팀원을 넣어 가까운 지역의 팀과 </a:t>
+            </a:r>
+            <a:r>
+              <a:rPr lang="ko-KR" altLang="en-US" dirty="0" err="1" smtClean="0"/>
+              <a:t>매칭</a:t>
+            </a:r>
+            <a:r>
+              <a:rPr lang="ko-KR" altLang="en-US" dirty="0" smtClean="0"/>
+              <a:t> 해주는 </a:t>
+            </a:r>
+            <a:r>
+              <a:rPr lang="ko-KR" altLang="en-US" dirty="0" err="1" smtClean="0"/>
+              <a:t>어플이다</a:t>
+            </a:r>
+            <a:r>
+              <a:rPr lang="en-US" altLang="ko-KR" dirty="0" smtClean="0"/>
+              <a:t>.</a:t>
+            </a:r>
+          </a:p>
+          <a:p>
+            <a:r>
+              <a:rPr lang="ko-KR" altLang="en-US" dirty="0" smtClean="0"/>
+              <a:t>팀원이 부족하거나 팀이 없다면 구할 수 있다</a:t>
+            </a:r>
+            <a:r>
+              <a:rPr lang="en-US" altLang="ko-KR" dirty="0" smtClean="0"/>
+              <a:t>.</a:t>
+            </a:r>
+          </a:p>
+          <a:p>
+            <a:endParaRPr lang="en-US" altLang="ko-KR" dirty="0" smtClean="0"/>
+          </a:p>
+        </p:txBody>
+      </p:sp>
+      <p:sp>
+        <p:nvSpPr>
+          <p:cNvPr id="4" name="슬라이드 번호 개체 틀 3"/>
+          <p:cNvSpPr>
+            <a:spLocks noGrp="1"/>
+          </p:cNvSpPr>
+          <p:nvPr>
+            <p:ph type="sldNum" sz="quarter" idx="10"/>
+          </p:nvPr>
+        </p:nvSpPr>
+        <p:spPr/>
+        <p:txBody>
+          <a:bodyPr/>
+          <a:lstStyle/>
+          <a:p>
+            <a:fld id="{DF53586E-2160-4EF1-AC29-D75686EF6316}" type="slidenum">
+              <a:rPr lang="ko-KR" altLang="en-US" smtClean="0"/>
+              <a:t>11</a:t>
+            </a:fld>
+            <a:endParaRPr lang="ko-KR" altLang="en-US"/>
+          </a:p>
+        </p:txBody>
+      </p:sp>
+    </p:spTree>
+    <p:extLst>
+      <p:ext uri="{BB962C8B-B14F-4D97-AF65-F5344CB8AC3E}">
+        <p14:creationId xmlns:p14="http://schemas.microsoft.com/office/powerpoint/2010/main" val="2071265287"/>
+      </p:ext>
+    </p:extLst>
+  </p:cSld>
+  <p:clrMapOvr>
+    <a:masterClrMapping/>
+  </p:clrMapOvr>
+</p:notes>
+</file>
+
 <file path=ppt/notesSlides/notesSlide2.xml><?xml version="1.0" encoding="utf-8"?>
 <p:notes xmlns:a="http://schemas.openxmlformats.org/drawingml/2006/main" xmlns:r="http://schemas.openxmlformats.org/officeDocument/2006/relationships" xmlns:p="http://schemas.openxmlformats.org/presentationml/2006/main">
   <p:cSld>
@@ -663,146 +786,8 @@
           <a:lstStyle/>
           <a:p>
             <a:r>
-              <a:rPr lang="ko-KR" altLang="en-US" dirty="0" err="1" smtClean="0"/>
-              <a:t>인트로</a:t>
-            </a:r>
-            <a:r>
-              <a:rPr lang="ko-KR" altLang="en-US" baseline="0" dirty="0" smtClean="0"/>
-              <a:t> </a:t>
-            </a:r>
-            <a:r>
-              <a:rPr lang="ko-KR" altLang="en-US" baseline="0" dirty="0" err="1" smtClean="0"/>
-              <a:t>엑티비티</a:t>
-            </a:r>
-            <a:r>
-              <a:rPr lang="ko-KR" altLang="en-US" baseline="0" dirty="0" smtClean="0"/>
-              <a:t> 후 </a:t>
-            </a:r>
-            <a:r>
-              <a:rPr lang="en-US" altLang="ko-KR" baseline="0" dirty="0" smtClean="0"/>
-              <a:t>5</a:t>
-            </a:r>
-            <a:r>
-              <a:rPr lang="ko-KR" altLang="en-US" baseline="0" dirty="0" err="1" smtClean="0"/>
-              <a:t>초뒤</a:t>
-            </a:r>
-            <a:r>
-              <a:rPr lang="ko-KR" altLang="en-US" baseline="0" dirty="0" smtClean="0"/>
-              <a:t> 로그인 </a:t>
-            </a:r>
-            <a:r>
-              <a:rPr lang="ko-KR" altLang="en-US" baseline="0" dirty="0" err="1" smtClean="0"/>
-              <a:t>엑티비티로</a:t>
-            </a:r>
-            <a:r>
-              <a:rPr lang="ko-KR" altLang="en-US" baseline="0" dirty="0" smtClean="0"/>
-              <a:t> 넘어갑니다</a:t>
-            </a:r>
-            <a:r>
-              <a:rPr lang="en-US" altLang="ko-KR" baseline="0" dirty="0" smtClean="0"/>
-              <a:t>.</a:t>
-            </a:r>
-          </a:p>
-          <a:p>
-            <a:r>
               <a:rPr lang="ko-KR" altLang="en-US" dirty="0" smtClean="0"/>
-              <a:t>아직 로그인 버튼을 </a:t>
-            </a:r>
-            <a:r>
-              <a:rPr lang="ko-KR" altLang="en-US" dirty="0" err="1" smtClean="0"/>
-              <a:t>구글</a:t>
-            </a:r>
-            <a:r>
-              <a:rPr lang="ko-KR" altLang="en-US" dirty="0" smtClean="0"/>
-              <a:t> </a:t>
-            </a:r>
-            <a:r>
-              <a:rPr lang="ko-KR" altLang="en-US" dirty="0" err="1" smtClean="0"/>
-              <a:t>앱엔진과</a:t>
-            </a:r>
-            <a:r>
-              <a:rPr lang="ko-KR" altLang="en-US" dirty="0" smtClean="0"/>
-              <a:t> 연동 하지 못했고 </a:t>
-            </a:r>
-            <a:r>
-              <a:rPr lang="en-US" altLang="ko-KR" sz="1200" kern="1200" dirty="0" err="1" smtClean="0">
-                <a:solidFill>
-                  <a:schemeClr val="tx1"/>
-                </a:solidFill>
-                <a:latin typeface="+mn-lt"/>
-                <a:ea typeface="+mn-ea"/>
-                <a:cs typeface="+mn-cs"/>
-              </a:rPr>
-              <a:t>SharedPreferences</a:t>
-            </a:r>
-            <a:r>
-              <a:rPr lang="en-US" altLang="ko-KR" sz="1200" kern="1200" dirty="0" smtClean="0">
-                <a:solidFill>
-                  <a:schemeClr val="tx1"/>
-                </a:solidFill>
-                <a:latin typeface="+mn-lt"/>
-                <a:ea typeface="+mn-ea"/>
-                <a:cs typeface="+mn-cs"/>
-              </a:rPr>
-              <a:t> </a:t>
-            </a:r>
-            <a:r>
-              <a:rPr lang="ko-KR" altLang="en-US" sz="1200" kern="1200" dirty="0" smtClean="0">
-                <a:solidFill>
-                  <a:schemeClr val="tx1"/>
-                </a:solidFill>
-                <a:latin typeface="+mn-lt"/>
-                <a:ea typeface="+mn-ea"/>
-                <a:cs typeface="+mn-cs"/>
-              </a:rPr>
-              <a:t>사용한 </a:t>
-            </a:r>
-            <a:r>
-              <a:rPr lang="ko-KR" altLang="en-US" dirty="0" smtClean="0"/>
-              <a:t>자동 </a:t>
-            </a:r>
-            <a:r>
-              <a:rPr lang="ko-KR" altLang="en-US" dirty="0" err="1" smtClean="0"/>
-              <a:t>로그인기능을</a:t>
-            </a:r>
-            <a:r>
-              <a:rPr lang="ko-KR" altLang="en-US" baseline="0" dirty="0" smtClean="0"/>
-              <a:t> </a:t>
-            </a:r>
-            <a:r>
-              <a:rPr lang="ko-KR" altLang="en-US" baseline="0" dirty="0" err="1" smtClean="0"/>
-              <a:t>개발중입니다</a:t>
-            </a:r>
-            <a:r>
-              <a:rPr lang="en-US" altLang="ko-KR" baseline="0" dirty="0" smtClean="0"/>
-              <a:t>.</a:t>
-            </a:r>
-            <a:endParaRPr lang="en-US" altLang="ko-KR" dirty="0" smtClean="0"/>
-          </a:p>
-          <a:p>
-            <a:r>
-              <a:rPr lang="ko-KR" altLang="en-US" dirty="0" smtClean="0"/>
-              <a:t>등록버튼을 </a:t>
-            </a:r>
-            <a:r>
-              <a:rPr lang="ko-KR" altLang="en-US" dirty="0" err="1" smtClean="0"/>
-              <a:t>클릭시</a:t>
-            </a:r>
-            <a:r>
-              <a:rPr lang="ko-KR" altLang="en-US" dirty="0" smtClean="0"/>
-              <a:t> 등록 </a:t>
-            </a:r>
-            <a:r>
-              <a:rPr lang="ko-KR" altLang="en-US" dirty="0" err="1" smtClean="0"/>
-              <a:t>엑티비티로</a:t>
-            </a:r>
-            <a:r>
-              <a:rPr lang="ko-KR" altLang="en-US" dirty="0" smtClean="0"/>
-              <a:t> 넘어갑니다</a:t>
-            </a:r>
-            <a:r>
-              <a:rPr lang="en-US" altLang="ko-KR" dirty="0" smtClean="0"/>
-              <a:t>.</a:t>
+              <a:t>농구를 하고 싶은데 사람이 없거나 매일 같은 사람과 농구하는 것이 질려서 다른 사람과 하고 싶은데 사람이 </a:t>
             </a:r>
             <a:endParaRPr lang="en-US" altLang="ko-KR" dirty="0" smtClean="0"/>
           </a:p>
@@ -834,7 +819,7 @@
     </p:spTree>
     <p:extLst>
       <p:ext uri="{BB962C8B-B14F-4D97-AF65-F5344CB8AC3E}">
-        <p14:creationId xmlns:p14="http://schemas.microsoft.com/office/powerpoint/2010/main" val="3284371010"/>
+        <p14:creationId xmlns:p14="http://schemas.microsoft.com/office/powerpoint/2010/main" val="571280952"/>
       </p:ext>
     </p:extLst>
   </p:cSld>
@@ -889,210 +874,54 @@
           <a:lstStyle/>
           <a:p>
             <a:r>
-              <a:rPr lang="en-US" altLang="ko-KR" sz="1200" kern="1200" dirty="0" err="1" smtClean="0">
-                <a:solidFill>
-                  <a:schemeClr val="tx1"/>
-                </a:solidFill>
-                <a:latin typeface="+mn-lt"/>
-                <a:ea typeface="+mn-ea"/>
-                <a:cs typeface="+mn-cs"/>
-              </a:rPr>
-              <a:t>Googl</a:t>
-            </a:r>
-            <a:r>
-              <a:rPr lang="en-US" altLang="ko-KR" sz="1200" kern="1200" dirty="0" smtClean="0">
-                <a:solidFill>
-                  <a:schemeClr val="tx1"/>
-                </a:solidFill>
-                <a:latin typeface="+mn-lt"/>
-                <a:ea typeface="+mn-ea"/>
-                <a:cs typeface="+mn-cs"/>
-              </a:rPr>
-              <a:t> place</a:t>
-            </a:r>
-            <a:r>
-              <a:rPr lang="en-US" altLang="ko-KR" sz="1200" kern="1200" baseline="0" dirty="0" smtClean="0">
-                <a:solidFill>
-                  <a:schemeClr val="tx1"/>
-                </a:solidFill>
-                <a:latin typeface="+mn-lt"/>
-                <a:ea typeface="+mn-ea"/>
-                <a:cs typeface="+mn-cs"/>
-              </a:rPr>
-              <a:t> </a:t>
-            </a:r>
-            <a:r>
-              <a:rPr lang="en-US" altLang="ko-KR" sz="1200" kern="1200" baseline="0" dirty="0" err="1" smtClean="0">
-                <a:solidFill>
-                  <a:schemeClr val="tx1"/>
-                </a:solidFill>
-                <a:latin typeface="+mn-lt"/>
-                <a:ea typeface="+mn-ea"/>
-                <a:cs typeface="+mn-cs"/>
-              </a:rPr>
-              <a:t>api</a:t>
-            </a:r>
-            <a:r>
-              <a:rPr lang="en-US" altLang="ko-KR" sz="1200" kern="1200" baseline="0" dirty="0" smtClean="0">
-                <a:solidFill>
-                  <a:schemeClr val="tx1"/>
-                </a:solidFill>
-                <a:latin typeface="+mn-lt"/>
-                <a:ea typeface="+mn-ea"/>
-                <a:cs typeface="+mn-cs"/>
-              </a:rPr>
-              <a:t> </a:t>
-            </a:r>
-            <a:r>
-              <a:rPr lang="ko-KR" altLang="en-US" sz="1200" kern="1200" baseline="0" dirty="0" smtClean="0">
-                <a:solidFill>
-                  <a:schemeClr val="tx1"/>
-                </a:solidFill>
-                <a:latin typeface="+mn-lt"/>
-                <a:ea typeface="+mn-ea"/>
-                <a:cs typeface="+mn-cs"/>
-              </a:rPr>
-              <a:t>사용하여 </a:t>
-            </a:r>
-            <a:r>
-              <a:rPr lang="ko-KR" altLang="en-US" sz="1200" kern="1200" dirty="0" smtClean="0">
-                <a:solidFill>
-                  <a:schemeClr val="tx1"/>
-                </a:solidFill>
-                <a:latin typeface="+mn-lt"/>
-                <a:ea typeface="+mn-ea"/>
-                <a:cs typeface="+mn-cs"/>
-              </a:rPr>
-              <a:t>지역 자동완성 부분을</a:t>
-            </a:r>
-            <a:r>
-              <a:rPr lang="ko-KR" altLang="en-US" sz="1200" kern="1200" baseline="0" dirty="0" smtClean="0">
-                <a:solidFill>
-                  <a:schemeClr val="tx1"/>
-                </a:solidFill>
-                <a:latin typeface="+mn-lt"/>
-                <a:ea typeface="+mn-ea"/>
-                <a:cs typeface="+mn-cs"/>
-              </a:rPr>
-              <a:t> </a:t>
-            </a:r>
-            <a:r>
-              <a:rPr lang="ko-KR" altLang="en-US" sz="1200" kern="1200" baseline="0" dirty="0" err="1" smtClean="0">
-                <a:solidFill>
-                  <a:schemeClr val="tx1"/>
-                </a:solidFill>
-                <a:latin typeface="+mn-lt"/>
-                <a:ea typeface="+mn-ea"/>
-                <a:cs typeface="+mn-cs"/>
-              </a:rPr>
-              <a:t>개발중</a:t>
-            </a:r>
-            <a:endParaRPr lang="en-US" altLang="ko-KR" sz="1200" kern="1200" dirty="0" smtClean="0">
-              <a:solidFill>
-                <a:schemeClr val="tx1"/>
-              </a:solidFill>
-              <a:latin typeface="+mn-lt"/>
-              <a:ea typeface="+mn-ea"/>
-              <a:cs typeface="+mn-cs"/>
-            </a:endParaRPr>
-          </a:p>
-          <a:p>
-            <a:r>
-              <a:rPr lang="en-US" altLang="ko-KR" sz="1200" kern="1200" dirty="0" err="1" smtClean="0">
-                <a:solidFill>
-                  <a:schemeClr val="tx1"/>
-                </a:solidFill>
-                <a:latin typeface="+mn-lt"/>
-                <a:ea typeface="+mn-ea"/>
-                <a:cs typeface="+mn-cs"/>
-              </a:rPr>
-              <a:t>SharedPreferences</a:t>
-            </a:r>
-            <a:r>
-              <a:rPr lang="en-US" altLang="ko-KR" sz="1200" kern="1200" dirty="0" smtClean="0">
-                <a:solidFill>
-                  <a:schemeClr val="tx1"/>
-                </a:solidFill>
-                <a:latin typeface="+mn-lt"/>
-                <a:ea typeface="+mn-ea"/>
-                <a:cs typeface="+mn-cs"/>
-              </a:rPr>
-              <a:t> </a:t>
-            </a:r>
-            <a:r>
-              <a:rPr lang="ko-KR" altLang="en-US" sz="1200" kern="1200" dirty="0" smtClean="0">
-                <a:solidFill>
-                  <a:schemeClr val="tx1"/>
-                </a:solidFill>
-                <a:latin typeface="+mn-lt"/>
-                <a:ea typeface="+mn-ea"/>
-                <a:cs typeface="+mn-cs"/>
-              </a:rPr>
-              <a:t>를</a:t>
-            </a:r>
-            <a:r>
-              <a:rPr lang="en-US" altLang="ko-KR" sz="1200" kern="1200" dirty="0" smtClean="0">
-                <a:solidFill>
-                  <a:schemeClr val="tx1"/>
-                </a:solidFill>
-                <a:latin typeface="+mn-lt"/>
-                <a:ea typeface="+mn-ea"/>
-                <a:cs typeface="+mn-cs"/>
-              </a:rPr>
-              <a:t> </a:t>
-            </a:r>
-            <a:r>
-              <a:rPr lang="ko-KR" altLang="en-US" sz="1200" kern="1200" dirty="0" smtClean="0">
-                <a:solidFill>
-                  <a:schemeClr val="tx1"/>
-                </a:solidFill>
-                <a:latin typeface="+mn-lt"/>
-                <a:ea typeface="+mn-ea"/>
-                <a:cs typeface="+mn-cs"/>
-              </a:rPr>
-              <a:t>사용하여 현재 등록한 내용이 </a:t>
-            </a:r>
-            <a:r>
-              <a:rPr lang="ko-KR" altLang="en-US" sz="1200" kern="1200" dirty="0" err="1" smtClean="0">
-                <a:solidFill>
-                  <a:schemeClr val="tx1"/>
-                </a:solidFill>
-                <a:latin typeface="+mn-lt"/>
-                <a:ea typeface="+mn-ea"/>
-                <a:cs typeface="+mn-cs"/>
-              </a:rPr>
-              <a:t>종료후에도</a:t>
-            </a:r>
-            <a:r>
-              <a:rPr lang="ko-KR" altLang="en-US" sz="1200" kern="1200" dirty="0" smtClean="0">
-                <a:solidFill>
-                  <a:schemeClr val="tx1"/>
-                </a:solidFill>
-                <a:latin typeface="+mn-lt"/>
-                <a:ea typeface="+mn-ea"/>
-                <a:cs typeface="+mn-cs"/>
-              </a:rPr>
-              <a:t> 저장되게 </a:t>
-            </a:r>
-            <a:r>
-              <a:rPr lang="ko-KR" altLang="en-US" sz="1200" kern="1200" dirty="0" err="1" smtClean="0">
-                <a:solidFill>
-                  <a:schemeClr val="tx1"/>
-                </a:solidFill>
-                <a:latin typeface="+mn-lt"/>
-                <a:ea typeface="+mn-ea"/>
-                <a:cs typeface="+mn-cs"/>
-              </a:rPr>
-              <a:t>만듬</a:t>
-            </a:r>
-            <a:endParaRPr lang="en-US" altLang="ko-KR" sz="1200" kern="1200" dirty="0" smtClean="0">
-              <a:solidFill>
-                <a:schemeClr val="tx1"/>
-              </a:solidFill>
-              <a:latin typeface="+mn-lt"/>
-              <a:ea typeface="+mn-ea"/>
-              <a:cs typeface="+mn-cs"/>
-            </a:endParaRPr>
+              <a:rPr lang="en-US" altLang="ko-KR" dirty="0" smtClean="0"/>
+              <a:t>basketball match app </a:t>
+            </a:r>
+            <a:r>
+              <a:rPr lang="ko-KR" altLang="en-US" dirty="0" smtClean="0"/>
+              <a:t>은 </a:t>
+            </a:r>
+            <a:r>
+              <a:rPr lang="ko-KR" altLang="en-US" dirty="0" err="1" smtClean="0"/>
+              <a:t>프리스타일</a:t>
+            </a:r>
+            <a:r>
+              <a:rPr lang="ko-KR" altLang="en-US" dirty="0" smtClean="0"/>
+              <a:t> 게임에서 아이디어를 얻어</a:t>
+            </a:r>
+            <a:endParaRPr lang="en-US" altLang="ko-KR" dirty="0" smtClean="0"/>
+          </a:p>
+          <a:p>
+            <a:r>
+              <a:rPr lang="ko-KR" altLang="en-US" dirty="0" smtClean="0"/>
+              <a:t>팀을 구성해서 팀원을 넣어 가까운 지역의 팀과 </a:t>
+            </a:r>
+            <a:r>
+              <a:rPr lang="ko-KR" altLang="en-US" dirty="0" err="1" smtClean="0"/>
+              <a:t>매칭</a:t>
+            </a:r>
+            <a:r>
+              <a:rPr lang="ko-KR" altLang="en-US" dirty="0" smtClean="0"/>
+              <a:t> 해주는 </a:t>
+            </a:r>
+            <a:r>
+              <a:rPr lang="ko-KR" altLang="en-US" dirty="0" err="1" smtClean="0"/>
+              <a:t>어플이다</a:t>
+            </a:r>
+            <a:r>
+              <a:rPr lang="en-US" altLang="ko-KR" dirty="0" smtClean="0"/>
+              <a:t>.</a:t>
+            </a:r>
+          </a:p>
+          <a:p>
+            <a:r>
+              <a:rPr lang="ko-KR" altLang="en-US" dirty="0" smtClean="0"/>
+              <a:t>팀원이 부족하거나 팀이 없다면 구할 수 있다</a:t>
+            </a:r>
+            <a:r>
+              <a:rPr lang="en-US" altLang="ko-KR" dirty="0" smtClean="0"/>
+              <a:t>.</a:t>
+            </a:r>
           </a:p>
           <a:p>
             <a:endParaRPr lang="en-US" altLang="ko-KR" dirty="0" smtClean="0"/>
@@ -1125,7 +954,7 @@
     </p:spTree>
     <p:extLst>
       <p:ext uri="{BB962C8B-B14F-4D97-AF65-F5344CB8AC3E}">
-        <p14:creationId xmlns:p14="http://schemas.microsoft.com/office/powerpoint/2010/main" val="2731779163"/>
+        <p14:creationId xmlns:p14="http://schemas.microsoft.com/office/powerpoint/2010/main" val="4116089031"/>
       </p:ext>
     </p:extLst>
   </p:cSld>
@@ -1180,45 +1009,56 @@
           <a:lstStyle/>
           <a:p>
             <a:r>
+              <a:rPr lang="en-US" altLang="ko-KR" dirty="0" smtClean="0"/>
+              <a:t>basketball match app </a:t>
+            </a:r>
+            <a:r>
               <a:rPr lang="ko-KR" altLang="en-US" dirty="0" smtClean="0"/>
-              <a:t>경기 </a:t>
+              <a:t>은 </a:t>
+            </a:r>
+            <a:r>
+              <a:rPr lang="ko-KR" altLang="en-US" dirty="0" err="1" smtClean="0"/>
+              <a:t>프리스타일</a:t>
+            </a:r>
+            <a:r>
+              <a:rPr lang="ko-KR" altLang="en-US" dirty="0" smtClean="0"/>
+              <a:t> 게임에서 아이디어를 얻어</a:t>
+            </a:r>
+            <a:endParaRPr lang="en-US" altLang="ko-KR" dirty="0" smtClean="0"/>
+          </a:p>
+          <a:p>
+            <a:r>
+              <a:rPr lang="ko-KR" altLang="en-US" dirty="0" smtClean="0"/>
+              <a:t>팀을 구성해서 팀원을 넣어 가까운 지역의 팀과 </a:t>
             </a:r>
             <a:r>
               <a:rPr lang="ko-KR" altLang="en-US" dirty="0" err="1" smtClean="0"/>
               <a:t>매칭</a:t>
             </a:r>
             <a:r>
+              <a:rPr lang="ko-KR" altLang="en-US" dirty="0" smtClean="0"/>
+              <a:t> 해주는 </a:t>
+            </a:r>
+            <a:r>
+              <a:rPr lang="ko-KR" altLang="en-US" dirty="0" err="1" smtClean="0"/>
+              <a:t>어플이다</a:t>
+            </a:r>
+            <a:r>
               <a:rPr lang="en-US" altLang="ko-KR" dirty="0" smtClean="0"/>
-              <a:t>,</a:t>
-            </a:r>
-            <a:r>
-              <a:rPr lang="en-US" altLang="ko-KR" baseline="0" dirty="0" smtClean="0"/>
-              <a:t> </a:t>
-            </a:r>
-            <a:r>
-              <a:rPr lang="ko-KR" altLang="en-US" baseline="0" dirty="0" smtClean="0"/>
-              <a:t>팀</a:t>
-            </a:r>
-            <a:r>
-              <a:rPr lang="en-US" altLang="ko-KR" baseline="0" dirty="0" smtClean="0"/>
-              <a:t>/</a:t>
-            </a:r>
-            <a:r>
-              <a:rPr lang="ko-KR" altLang="en-US" baseline="0" dirty="0" smtClean="0"/>
-              <a:t>팀원 찾기</a:t>
-            </a:r>
-            <a:r>
-              <a:rPr lang="en-US" altLang="ko-KR" baseline="0" dirty="0" smtClean="0"/>
-              <a:t>, </a:t>
-            </a:r>
-            <a:r>
-              <a:rPr lang="ko-KR" altLang="en-US" baseline="0" dirty="0" smtClean="0"/>
-              <a:t>팀 관리 부분은 아직 구현하지 못했다</a:t>
-            </a:r>
-            <a:r>
-              <a:rPr lang="en-US" altLang="ko-KR" baseline="0" dirty="0" smtClean="0"/>
               <a:t>.</a:t>
             </a:r>
+          </a:p>
+          <a:p>
+            <a:r>
+              <a:rPr lang="ko-KR" altLang="en-US" dirty="0" smtClean="0"/>
+              <a:t>팀원이 부족하거나 팀이 없다면 구할 수 있다</a:t>
+            </a:r>
+            <a:r>
+              <a:rPr lang="en-US" altLang="ko-KR" dirty="0" smtClean="0"/>
+              <a:t>.</a:t>
+            </a:r>
+          </a:p>
+          <a:p>
             <a:endParaRPr lang="en-US" altLang="ko-KR" dirty="0" smtClean="0"/>
           </a:p>
         </p:txBody>
@@ -1249,7 +1089,7 @@
     </p:spTree>
     <p:extLst>
       <p:ext uri="{BB962C8B-B14F-4D97-AF65-F5344CB8AC3E}">
-        <p14:creationId xmlns:p14="http://schemas.microsoft.com/office/powerpoint/2010/main" val="779017414"/>
+        <p14:creationId xmlns:p14="http://schemas.microsoft.com/office/powerpoint/2010/main" val="3496671088"/>
       </p:ext>
     </p:extLst>
   </p:cSld>
@@ -1304,42 +1144,147 @@
           <a:lstStyle/>
           <a:p>
             <a:r>
-              <a:rPr lang="en-US" altLang="ko-KR" dirty="0" smtClean="0"/>
-              <a:t>basketball match app </a:t>
-            </a:r>
+              <a:rPr lang="ko-KR" altLang="en-US" dirty="0" err="1" smtClean="0"/>
+              <a:t>인트로</a:t>
+            </a:r>
+            <a:r>
+              <a:rPr lang="ko-KR" altLang="en-US" baseline="0" dirty="0" smtClean="0"/>
+              <a:t> </a:t>
+            </a:r>
+            <a:r>
+              <a:rPr lang="ko-KR" altLang="en-US" baseline="0" dirty="0" err="1" smtClean="0"/>
+              <a:t>엑티비티</a:t>
+            </a:r>
+            <a:r>
+              <a:rPr lang="ko-KR" altLang="en-US" baseline="0" dirty="0" smtClean="0"/>
+              <a:t> 후 </a:t>
+            </a:r>
+            <a:r>
+              <a:rPr lang="en-US" altLang="ko-KR" baseline="0" dirty="0" smtClean="0"/>
+              <a:t>5</a:t>
+            </a:r>
+            <a:r>
+              <a:rPr lang="ko-KR" altLang="en-US" baseline="0" dirty="0" err="1" smtClean="0"/>
+              <a:t>초뒤</a:t>
+            </a:r>
+            <a:r>
+              <a:rPr lang="ko-KR" altLang="en-US" baseline="0" dirty="0" smtClean="0"/>
+              <a:t> 로그인 </a:t>
+            </a:r>
+            <a:r>
+              <a:rPr lang="ko-KR" altLang="en-US" baseline="0" dirty="0" err="1" smtClean="0"/>
+              <a:t>엑티비티로</a:t>
+            </a:r>
+            <a:r>
+              <a:rPr lang="ko-KR" altLang="en-US" baseline="0" dirty="0" smtClean="0"/>
+              <a:t> 넘어갑니다</a:t>
+            </a:r>
+            <a:r>
+              <a:rPr lang="en-US" altLang="ko-KR" baseline="0" dirty="0" smtClean="0"/>
+              <a:t>.</a:t>
+            </a:r>
+          </a:p>
+          <a:p>
             <a:r>
               <a:rPr lang="ko-KR" altLang="en-US" dirty="0" smtClean="0"/>
-              <a:t>은 팀을 구성해서 팀원을 넣어 가까운 지역의 팀과 </a:t>
+              <a:t>아직 로그인 버튼을 </a:t>
             </a:r>
             <a:r>
               <a:rPr lang="ko-KR" altLang="en-US" dirty="0" err="1" smtClean="0"/>
-              <a:t>매칭</a:t>
+              <a:t>구글</a:t>
             </a:r>
             <a:r>
               <a:rPr lang="ko-KR" altLang="en-US" dirty="0" smtClean="0"/>
-              <a:t> 해주는 </a:t>
+              <a:t> </a:t>
             </a:r>
             <a:r>
               <a:rPr lang="ko-KR" altLang="en-US" dirty="0" err="1" smtClean="0"/>
-              <a:t>어플이다</a:t>
+              <a:t>앱엔진과</a:t>
+            </a:r>
+            <a:r>
+              <a:rPr lang="ko-KR" altLang="en-US" dirty="0" smtClean="0"/>
+              <a:t> 연동 하지 못했고 </a:t>
+            </a:r>
+            <a:r>
+              <a:rPr lang="en-US" altLang="ko-KR" sz="1200" kern="1200" dirty="0" err="1" smtClean="0">
+                <a:solidFill>
+                  <a:schemeClr val="tx1"/>
+                </a:solidFill>
+                <a:latin typeface="+mn-lt"/>
+                <a:ea typeface="+mn-ea"/>
+                <a:cs typeface="+mn-cs"/>
+              </a:rPr>
+              <a:t>SharedPreferences</a:t>
+            </a:r>
+            <a:r>
+              <a:rPr lang="en-US" altLang="ko-KR" sz="1200" kern="1200" dirty="0" smtClean="0">
+                <a:solidFill>
+                  <a:schemeClr val="tx1"/>
+                </a:solidFill>
+                <a:latin typeface="+mn-lt"/>
+                <a:ea typeface="+mn-ea"/>
+                <a:cs typeface="+mn-cs"/>
+              </a:rPr>
+              <a:t> </a:t>
+            </a:r>
+            <a:r>
+              <a:rPr lang="ko-KR" altLang="en-US" sz="1200" kern="1200" dirty="0" smtClean="0">
+                <a:solidFill>
+                  <a:schemeClr val="tx1"/>
+                </a:solidFill>
+                <a:latin typeface="+mn-lt"/>
+                <a:ea typeface="+mn-ea"/>
+                <a:cs typeface="+mn-cs"/>
+              </a:rPr>
+              <a:t>사용한 </a:t>
+            </a:r>
+            <a:r>
+              <a:rPr lang="ko-KR" altLang="en-US" dirty="0" smtClean="0"/>
+              <a:t>자동 </a:t>
+            </a:r>
+            <a:r>
+              <a:rPr lang="ko-KR" altLang="en-US" dirty="0" err="1" smtClean="0"/>
+              <a:t>로그인기능을</a:t>
+            </a:r>
+            <a:r>
+              <a:rPr lang="ko-KR" altLang="en-US" baseline="0" dirty="0" smtClean="0"/>
+              <a:t> </a:t>
+            </a:r>
+            <a:r>
+              <a:rPr lang="ko-KR" altLang="en-US" baseline="0" dirty="0" err="1" smtClean="0"/>
+              <a:t>개발중입니다</a:t>
+            </a:r>
+            <a:r>
+              <a:rPr lang="en-US" altLang="ko-KR" baseline="0" dirty="0" smtClean="0"/>
+              <a:t>.</a:t>
+            </a:r>
+            <a:endParaRPr lang="en-US" altLang="ko-KR" dirty="0" smtClean="0"/>
+          </a:p>
+          <a:p>
+            <a:r>
+              <a:rPr lang="ko-KR" altLang="en-US" dirty="0" smtClean="0"/>
+              <a:t>등록버튼을 </a:t>
+            </a:r>
+            <a:r>
+              <a:rPr lang="ko-KR" altLang="en-US" dirty="0" err="1" smtClean="0"/>
+              <a:t>클릭시</a:t>
+            </a:r>
+            <a:r>
+              <a:rPr lang="ko-KR" altLang="en-US" dirty="0" smtClean="0"/>
+              <a:t> 등록 </a:t>
+            </a:r>
+            <a:r>
+              <a:rPr lang="ko-KR" altLang="en-US" dirty="0" err="1" smtClean="0"/>
+              <a:t>엑티비티로</a:t>
+            </a:r>
+            <a:r>
+              <a:rPr lang="ko-KR" altLang="en-US" dirty="0" smtClean="0"/>
+              <a:t> 넘어갑니다</a:t>
             </a:r>
             <a:r>
               <a:rPr lang="en-US" altLang="ko-KR" dirty="0" smtClean="0"/>
               <a:t>.</a:t>
             </a:r>
-          </a:p>
-          <a:p>
-            <a:r>
-              <a:rPr lang="ko-KR" altLang="en-US" dirty="0" smtClean="0"/>
-              <a:t>팀원이 부족하거나 팀이 없다면 구할 수 있다</a:t>
-            </a:r>
-            <a:r>
-              <a:rPr lang="en-US" altLang="ko-KR" dirty="0" smtClean="0"/>
-              <a:t>.</a:t>
-            </a:r>
-          </a:p>
-          <a:p>
-            <a:endParaRPr lang="en-US" altLang="ko-KR" dirty="0" smtClean="0"/>
           </a:p>
         </p:txBody>
       </p:sp>
@@ -1369,7 +1314,7 @@
     </p:spTree>
     <p:extLst>
       <p:ext uri="{BB962C8B-B14F-4D97-AF65-F5344CB8AC3E}">
-        <p14:creationId xmlns:p14="http://schemas.microsoft.com/office/powerpoint/2010/main" val="1695148097"/>
+        <p14:creationId xmlns:p14="http://schemas.microsoft.com/office/powerpoint/2010/main" val="3284371010"/>
       </p:ext>
     </p:extLst>
   </p:cSld>
@@ -1423,6 +1368,213 @@
           <a:bodyPr/>
           <a:lstStyle/>
           <a:p>
+            <a:r>
+              <a:rPr lang="en-US" altLang="ko-KR" sz="1200" kern="1200" dirty="0" err="1" smtClean="0">
+                <a:solidFill>
+                  <a:schemeClr val="tx1"/>
+                </a:solidFill>
+                <a:latin typeface="+mn-lt"/>
+                <a:ea typeface="+mn-ea"/>
+                <a:cs typeface="+mn-cs"/>
+              </a:rPr>
+              <a:t>Googl</a:t>
+            </a:r>
+            <a:r>
+              <a:rPr lang="en-US" altLang="ko-KR" sz="1200" kern="1200" dirty="0" smtClean="0">
+                <a:solidFill>
+                  <a:schemeClr val="tx1"/>
+                </a:solidFill>
+                <a:latin typeface="+mn-lt"/>
+                <a:ea typeface="+mn-ea"/>
+                <a:cs typeface="+mn-cs"/>
+              </a:rPr>
+              <a:t> place</a:t>
+            </a:r>
+            <a:r>
+              <a:rPr lang="en-US" altLang="ko-KR" sz="1200" kern="1200" baseline="0" dirty="0" smtClean="0">
+                <a:solidFill>
+                  <a:schemeClr val="tx1"/>
+                </a:solidFill>
+                <a:latin typeface="+mn-lt"/>
+                <a:ea typeface="+mn-ea"/>
+                <a:cs typeface="+mn-cs"/>
+              </a:rPr>
+              <a:t> </a:t>
+            </a:r>
+            <a:r>
+              <a:rPr lang="en-US" altLang="ko-KR" sz="1200" kern="1200" baseline="0" dirty="0" err="1" smtClean="0">
+                <a:solidFill>
+                  <a:schemeClr val="tx1"/>
+                </a:solidFill>
+                <a:latin typeface="+mn-lt"/>
+                <a:ea typeface="+mn-ea"/>
+                <a:cs typeface="+mn-cs"/>
+              </a:rPr>
+              <a:t>api</a:t>
+            </a:r>
+            <a:r>
+              <a:rPr lang="en-US" altLang="ko-KR" sz="1200" kern="1200" baseline="0" dirty="0" smtClean="0">
+                <a:solidFill>
+                  <a:schemeClr val="tx1"/>
+                </a:solidFill>
+                <a:latin typeface="+mn-lt"/>
+                <a:ea typeface="+mn-ea"/>
+                <a:cs typeface="+mn-cs"/>
+              </a:rPr>
+              <a:t> </a:t>
+            </a:r>
+            <a:r>
+              <a:rPr lang="ko-KR" altLang="en-US" sz="1200" kern="1200" baseline="0" dirty="0" smtClean="0">
+                <a:solidFill>
+                  <a:schemeClr val="tx1"/>
+                </a:solidFill>
+                <a:latin typeface="+mn-lt"/>
+                <a:ea typeface="+mn-ea"/>
+                <a:cs typeface="+mn-cs"/>
+              </a:rPr>
+              <a:t>사용하여 </a:t>
+            </a:r>
+            <a:r>
+              <a:rPr lang="ko-KR" altLang="en-US" sz="1200" kern="1200" dirty="0" smtClean="0">
+                <a:solidFill>
+                  <a:schemeClr val="tx1"/>
+                </a:solidFill>
+                <a:latin typeface="+mn-lt"/>
+                <a:ea typeface="+mn-ea"/>
+                <a:cs typeface="+mn-cs"/>
+              </a:rPr>
+              <a:t>지역 자동완성 부분을</a:t>
+            </a:r>
+            <a:r>
+              <a:rPr lang="ko-KR" altLang="en-US" sz="1200" kern="1200" baseline="0" dirty="0" smtClean="0">
+                <a:solidFill>
+                  <a:schemeClr val="tx1"/>
+                </a:solidFill>
+                <a:latin typeface="+mn-lt"/>
+                <a:ea typeface="+mn-ea"/>
+                <a:cs typeface="+mn-cs"/>
+              </a:rPr>
+              <a:t> </a:t>
+            </a:r>
+            <a:r>
+              <a:rPr lang="ko-KR" altLang="en-US" sz="1200" kern="1200" baseline="0" dirty="0" err="1" smtClean="0">
+                <a:solidFill>
+                  <a:schemeClr val="tx1"/>
+                </a:solidFill>
+                <a:latin typeface="+mn-lt"/>
+                <a:ea typeface="+mn-ea"/>
+                <a:cs typeface="+mn-cs"/>
+              </a:rPr>
+              <a:t>개발중</a:t>
+            </a:r>
+            <a:endParaRPr lang="en-US" altLang="ko-KR" sz="1200" kern="1200" dirty="0" smtClean="0">
+              <a:solidFill>
+                <a:schemeClr val="tx1"/>
+              </a:solidFill>
+              <a:latin typeface="+mn-lt"/>
+              <a:ea typeface="+mn-ea"/>
+              <a:cs typeface="+mn-cs"/>
+            </a:endParaRPr>
+          </a:p>
+          <a:p>
+            <a:r>
+              <a:rPr lang="en-US" altLang="ko-KR" sz="1200" kern="1200" dirty="0" err="1" smtClean="0">
+                <a:solidFill>
+                  <a:schemeClr val="tx1"/>
+                </a:solidFill>
+                <a:latin typeface="+mn-lt"/>
+                <a:ea typeface="+mn-ea"/>
+                <a:cs typeface="+mn-cs"/>
+              </a:rPr>
+              <a:t>SharedPreferences</a:t>
+            </a:r>
+            <a:r>
+              <a:rPr lang="en-US" altLang="ko-KR" sz="1200" kern="1200" dirty="0" smtClean="0">
+                <a:solidFill>
+                  <a:schemeClr val="tx1"/>
+                </a:solidFill>
+                <a:latin typeface="+mn-lt"/>
+                <a:ea typeface="+mn-ea"/>
+                <a:cs typeface="+mn-cs"/>
+              </a:rPr>
+              <a:t> </a:t>
+            </a:r>
+            <a:r>
+              <a:rPr lang="ko-KR" altLang="en-US" sz="1200" kern="1200" dirty="0" smtClean="0">
+                <a:solidFill>
+                  <a:schemeClr val="tx1"/>
+                </a:solidFill>
+                <a:latin typeface="+mn-lt"/>
+                <a:ea typeface="+mn-ea"/>
+                <a:cs typeface="+mn-cs"/>
+              </a:rPr>
+              <a:t>를</a:t>
+            </a:r>
+            <a:r>
+              <a:rPr lang="en-US" altLang="ko-KR" sz="1200" kern="1200" dirty="0" smtClean="0">
+                <a:solidFill>
+                  <a:schemeClr val="tx1"/>
+                </a:solidFill>
+                <a:latin typeface="+mn-lt"/>
+                <a:ea typeface="+mn-ea"/>
+                <a:cs typeface="+mn-cs"/>
+              </a:rPr>
+              <a:t> </a:t>
+            </a:r>
+            <a:r>
+              <a:rPr lang="ko-KR" altLang="en-US" sz="1200" kern="1200" dirty="0" smtClean="0">
+                <a:solidFill>
+                  <a:schemeClr val="tx1"/>
+                </a:solidFill>
+                <a:latin typeface="+mn-lt"/>
+                <a:ea typeface="+mn-ea"/>
+                <a:cs typeface="+mn-cs"/>
+              </a:rPr>
+              <a:t>사용하여 현재 등록한 내용이 </a:t>
+            </a:r>
+            <a:r>
+              <a:rPr lang="ko-KR" altLang="en-US" sz="1200" kern="1200" dirty="0" err="1" smtClean="0">
+                <a:solidFill>
+                  <a:schemeClr val="tx1"/>
+                </a:solidFill>
+                <a:latin typeface="+mn-lt"/>
+                <a:ea typeface="+mn-ea"/>
+                <a:cs typeface="+mn-cs"/>
+              </a:rPr>
+              <a:t>종료후에도</a:t>
+            </a:r>
+            <a:r>
+              <a:rPr lang="ko-KR" altLang="en-US" sz="1200" kern="1200" dirty="0" smtClean="0">
+                <a:solidFill>
+                  <a:schemeClr val="tx1"/>
+                </a:solidFill>
+                <a:latin typeface="+mn-lt"/>
+                <a:ea typeface="+mn-ea"/>
+                <a:cs typeface="+mn-cs"/>
+              </a:rPr>
+              <a:t> 저장되게 </a:t>
+            </a:r>
+            <a:r>
+              <a:rPr lang="ko-KR" altLang="en-US" sz="1200" kern="1200" dirty="0" err="1" smtClean="0">
+                <a:solidFill>
+                  <a:schemeClr val="tx1"/>
+                </a:solidFill>
+                <a:latin typeface="+mn-lt"/>
+                <a:ea typeface="+mn-ea"/>
+                <a:cs typeface="+mn-cs"/>
+              </a:rPr>
+              <a:t>만듬</a:t>
+            </a:r>
+            <a:endParaRPr lang="en-US" altLang="ko-KR" sz="1200" kern="1200" dirty="0" smtClean="0">
+              <a:solidFill>
+                <a:schemeClr val="tx1"/>
+              </a:solidFill>
+              <a:latin typeface="+mn-lt"/>
+              <a:ea typeface="+mn-ea"/>
+              <a:cs typeface="+mn-cs"/>
+            </a:endParaRPr>
+          </a:p>
+          <a:p>
             <a:endParaRPr lang="en-US" altLang="ko-KR" dirty="0" smtClean="0"/>
           </a:p>
         </p:txBody>
@@ -1453,7 +1605,7 @@
     </p:spTree>
     <p:extLst>
       <p:ext uri="{BB962C8B-B14F-4D97-AF65-F5344CB8AC3E}">
-        <p14:creationId xmlns:p14="http://schemas.microsoft.com/office/powerpoint/2010/main" val="259249074"/>
+        <p14:creationId xmlns:p14="http://schemas.microsoft.com/office/powerpoint/2010/main" val="2731779163"/>
       </p:ext>
     </p:extLst>
   </p:cSld>
@@ -1508,41 +1660,45 @@
           <a:lstStyle/>
           <a:p>
             <a:r>
-              <a:rPr lang="en-US" altLang="ko-KR" dirty="0" smtClean="0"/>
-              <a:t>basketball match app </a:t>
-            </a:r>
-            <a:r>
               <a:rPr lang="ko-KR" altLang="en-US" dirty="0" smtClean="0"/>
-              <a:t>은 팀을 구성해서 팀원을 넣어 가까운 지역의 팀과 </a:t>
+              <a:t>경기 </a:t>
             </a:r>
             <a:r>
               <a:rPr lang="ko-KR" altLang="en-US" dirty="0" err="1" smtClean="0"/>
               <a:t>매칭</a:t>
             </a:r>
             <a:r>
-              <a:rPr lang="ko-KR" altLang="en-US" dirty="0" smtClean="0"/>
-              <a:t> 해주는 </a:t>
-            </a:r>
-            <a:r>
-              <a:rPr lang="ko-KR" altLang="en-US" dirty="0" err="1" smtClean="0"/>
-              <a:t>어플이다</a:t>
-            </a:r>
-            <a:r>
               <a:rPr lang="en-US" altLang="ko-KR" dirty="0" smtClean="0"/>
+              <a:t>,</a:t>
+            </a:r>
+            <a:r>
+              <a:rPr lang="en-US" altLang="ko-KR" baseline="0" dirty="0" smtClean="0"/>
+              <a:t> </a:t>
+            </a:r>
+            <a:r>
+              <a:rPr lang="ko-KR" altLang="en-US" baseline="0" dirty="0" smtClean="0"/>
+              <a:t>팀</a:t>
+            </a:r>
+            <a:r>
+              <a:rPr lang="en-US" altLang="ko-KR" baseline="0" dirty="0" smtClean="0"/>
+              <a:t>/</a:t>
+            </a:r>
+            <a:r>
+              <a:rPr lang="ko-KR" altLang="en-US" baseline="0" dirty="0" smtClean="0"/>
+              <a:t>팀원 찾기</a:t>
+            </a:r>
+            <a:r>
+              <a:rPr lang="en-US" altLang="ko-KR" baseline="0" dirty="0" smtClean="0"/>
+              <a:t>, </a:t>
+            </a:r>
+            <a:r>
+              <a:rPr lang="ko-KR" altLang="en-US" baseline="0" dirty="0" smtClean="0"/>
+              <a:t>팀 관리 부분은 아직 구현하지 못했다</a:t>
+            </a:r>
+            <a:r>
+              <a:rPr lang="en-US" altLang="ko-KR" baseline="0" dirty="0" smtClean="0"/>
               <a:t>.</a:t>
             </a:r>
-          </a:p>
-          <a:p>
-            <a:r>
-              <a:rPr lang="ko-KR" altLang="en-US" dirty="0" smtClean="0"/>
-              <a:t>팀원이 부족하거나 팀이 없다면 구할 수 있다</a:t>
-            </a:r>
-            <a:r>
-              <a:rPr lang="en-US" altLang="ko-KR" dirty="0" smtClean="0"/>
-              <a:t>.</a:t>
-            </a:r>
-          </a:p>
-          <a:p>
             <a:endParaRPr lang="en-US" altLang="ko-KR" dirty="0" smtClean="0"/>
           </a:p>
         </p:txBody>
@@ -1573,7 +1729,211 @@
     </p:spTree>
     <p:extLst>
       <p:ext uri="{BB962C8B-B14F-4D97-AF65-F5344CB8AC3E}">
-        <p14:creationId xmlns:p14="http://schemas.microsoft.com/office/powerpoint/2010/main" val="2071265287"/>
+        <p14:creationId xmlns:p14="http://schemas.microsoft.com/office/powerpoint/2010/main" val="779017414"/>
+      </p:ext>
+    </p:extLst>
+  </p:cSld>
+  <p:clrMapOvr>
+    <a:masterClrMapping/>
+  </p:clrMapOvr>
+</p:notes>
+</file>
+
+<file path=ppt/notesSlides/notesSlide8.xml><?xml version="1.0" encoding="utf-8"?>
+<p:notes xmlns:a="http://schemas.openxmlformats.org/drawingml/2006/main" xmlns:r="http://schemas.openxmlformats.org/officeDocument/2006/relationships" xmlns:p="http://schemas.openxmlformats.org/presentationml/2006/main">
+  <p:cSld>
+    <p:spTree>
+      <p:nvGrpSpPr>
+        <p:cNvPr id="1" name=""/>
+        <p:cNvGrpSpPr/>
+        <p:nvPr/>
+      </p:nvGrpSpPr>
+      <p:grpSpPr>
+        <a:xfrm>
+          <a:off x="0" y="0"/>
+          <a:ext cx="0" cy="0"/>
+          <a:chOff x="0" y="0"/>
+          <a:chExt cx="0" cy="0"/>
+        </a:xfrm>
+      </p:grpSpPr>
+      <p:sp>
+        <p:nvSpPr>
+          <p:cNvPr id="2" name="슬라이드 이미지 개체 틀 1"/>
+          <p:cNvSpPr>
+            <a:spLocks noGrp="1" noRot="1" noChangeAspect="1"/>
+          </p:cNvSpPr>
+          <p:nvPr>
+            <p:ph type="sldImg"/>
+          </p:nvPr>
+        </p:nvSpPr>
+        <p:spPr/>
+      </p:sp>
+      <p:sp>
+        <p:nvSpPr>
+          <p:cNvPr id="3" name="슬라이드 노트 개체 틀 2"/>
+          <p:cNvSpPr>
+            <a:spLocks noGrp="1"/>
+          </p:cNvSpPr>
+          <p:nvPr>
+            <p:ph type="body" idx="1"/>
+          </p:nvPr>
+        </p:nvSpPr>
+        <p:spPr/>
+        <p:txBody>
+          <a:bodyPr/>
+          <a:lstStyle/>
+          <a:p>
+            <a:r>
+              <a:rPr lang="en-US" altLang="ko-KR" dirty="0" smtClean="0"/>
+              <a:t>basketball match app </a:t>
+            </a:r>
+            <a:r>
+              <a:rPr lang="ko-KR" altLang="en-US" dirty="0" smtClean="0"/>
+              <a:t>은 팀을 구성해서 팀원을 넣어 가까운 지역의 팀과 </a:t>
+            </a:r>
+            <a:r>
+              <a:rPr lang="ko-KR" altLang="en-US" dirty="0" err="1" smtClean="0"/>
+              <a:t>매칭</a:t>
+            </a:r>
+            <a:r>
+              <a:rPr lang="ko-KR" altLang="en-US" dirty="0" smtClean="0"/>
+              <a:t> 해주는 </a:t>
+            </a:r>
+            <a:r>
+              <a:rPr lang="ko-KR" altLang="en-US" dirty="0" err="1" smtClean="0"/>
+              <a:t>어플이다</a:t>
+            </a:r>
+            <a:r>
+              <a:rPr lang="en-US" altLang="ko-KR" dirty="0" smtClean="0"/>
+              <a:t>.</a:t>
+            </a:r>
+          </a:p>
+          <a:p>
+            <a:r>
+              <a:rPr lang="ko-KR" altLang="en-US" dirty="0" smtClean="0"/>
+              <a:t>팀원이 부족하거나 팀이 없다면 구할 수 있다</a:t>
+            </a:r>
+            <a:r>
+              <a:rPr lang="en-US" altLang="ko-KR" dirty="0" smtClean="0"/>
+              <a:t>.</a:t>
+            </a:r>
+          </a:p>
+          <a:p>
+            <a:endParaRPr lang="en-US" altLang="ko-KR" dirty="0" smtClean="0"/>
+          </a:p>
+        </p:txBody>
+      </p:sp>
+      <p:sp>
+        <p:nvSpPr>
+          <p:cNvPr id="4" name="슬라이드 번호 개체 틀 3"/>
+          <p:cNvSpPr>
+            <a:spLocks noGrp="1"/>
+          </p:cNvSpPr>
+          <p:nvPr>
+            <p:ph type="sldNum" sz="quarter" idx="10"/>
+          </p:nvPr>
+        </p:nvSpPr>
+        <p:spPr/>
+        <p:txBody>
+          <a:bodyPr/>
+          <a:lstStyle/>
+          <a:p>
+            <a:fld id="{DF53586E-2160-4EF1-AC29-D75686EF6316}" type="slidenum">
+              <a:rPr lang="ko-KR" altLang="en-US" smtClean="0"/>
+              <a:t>9</a:t>
+            </a:fld>
+            <a:endParaRPr lang="ko-KR" altLang="en-US"/>
+          </a:p>
+        </p:txBody>
+      </p:sp>
+    </p:spTree>
+    <p:extLst>
+      <p:ext uri="{BB962C8B-B14F-4D97-AF65-F5344CB8AC3E}">
+        <p14:creationId xmlns:p14="http://schemas.microsoft.com/office/powerpoint/2010/main" val="1695148097"/>
+      </p:ext>
+    </p:extLst>
+  </p:cSld>
+  <p:clrMapOvr>
+    <a:masterClrMapping/>
+  </p:clrMapOvr>
+</p:notes>
+</file>
+
+<file path=ppt/notesSlides/notesSlide9.xml><?xml version="1.0" encoding="utf-8"?>
+<p:notes xmlns:a="http://schemas.openxmlformats.org/drawingml/2006/main" xmlns:r="http://schemas.openxmlformats.org/officeDocument/2006/relationships" xmlns:p="http://schemas.openxmlformats.org/presentationml/2006/main">
+  <p:cSld>
+    <p:spTree>
+      <p:nvGrpSpPr>
+        <p:cNvPr id="1" name=""/>
+        <p:cNvGrpSpPr/>
+        <p:nvPr/>
+      </p:nvGrpSpPr>
+      <p:grpSpPr>
+        <a:xfrm>
+          <a:off x="0" y="0"/>
+          <a:ext cx="0" cy="0"/>
+          <a:chOff x="0" y="0"/>
+          <a:chExt cx="0" cy="0"/>
+        </a:xfrm>
+      </p:grpSpPr>
+      <p:sp>
+        <p:nvSpPr>
+          <p:cNvPr id="2" name="슬라이드 이미지 개체 틀 1"/>
+          <p:cNvSpPr>
+            <a:spLocks noGrp="1" noRot="1" noChangeAspect="1"/>
+          </p:cNvSpPr>
+          <p:nvPr>
+            <p:ph type="sldImg"/>
+          </p:nvPr>
+        </p:nvSpPr>
+        <p:spPr/>
+      </p:sp>
+      <p:sp>
+        <p:nvSpPr>
+          <p:cNvPr id="3" name="슬라이드 노트 개체 틀 2"/>
+          <p:cNvSpPr>
+            <a:spLocks noGrp="1"/>
+          </p:cNvSpPr>
+          <p:nvPr>
+            <p:ph type="body" idx="1"/>
+          </p:nvPr>
+        </p:nvSpPr>
+        <p:spPr/>
+        <p:txBody>
+          <a:bodyPr/>
+          <a:lstStyle/>
+          <a:p>
+            <a:endParaRPr lang="en-US" altLang="ko-KR" dirty="0" smtClean="0"/>
+          </a:p>
+        </p:txBody>
+      </p:sp>
+      <p:sp>
+        <p:nvSpPr>
+          <p:cNvPr id="4" name="슬라이드 번호 개체 틀 3"/>
+          <p:cNvSpPr>
+            <a:spLocks noGrp="1"/>
+          </p:cNvSpPr>
+          <p:nvPr>
+            <p:ph type="sldNum" sz="quarter" idx="10"/>
+          </p:nvPr>
+        </p:nvSpPr>
+        <p:spPr/>
+        <p:txBody>
+          <a:bodyPr/>
+          <a:lstStyle/>
+          <a:p>
+            <a:fld id="{DF53586E-2160-4EF1-AC29-D75686EF6316}" type="slidenum">
+              <a:rPr lang="ko-KR" altLang="en-US" smtClean="0"/>
+              <a:t>10</a:t>
+            </a:fld>
+            <a:endParaRPr lang="ko-KR" altLang="en-US"/>
+          </a:p>
+        </p:txBody>
+      </p:sp>
+    </p:spTree>
+    <p:extLst>
+      <p:ext uri="{BB962C8B-B14F-4D97-AF65-F5344CB8AC3E}">
+        <p14:creationId xmlns:p14="http://schemas.microsoft.com/office/powerpoint/2010/main" val="259249074"/>
       </p:ext>
     </p:extLst>
   </p:cSld>
@@ -2151,6 +2511,682 @@
 </p:sld>
 </file>
 
+<file path=ppt/slides/slide10.xml><?xml version="1.0" encoding="utf-8"?>
+<p:sld xmlns:a="http://schemas.openxmlformats.org/drawingml/2006/main" xmlns:r="http://schemas.openxmlformats.org/officeDocument/2006/relationships" xmlns:p="http://schemas.openxmlformats.org/presentationml/2006/main">
+  <p:cSld>
+    <p:spTree>
+      <p:nvGrpSpPr>
+        <p:cNvPr id="1" name=""/>
+        <p:cNvGrpSpPr/>
+        <p:nvPr/>
+      </p:nvGrpSpPr>
+      <p:grpSpPr>
+        <a:xfrm>
+          <a:off x="0" y="0"/>
+          <a:ext cx="0" cy="0"/>
+          <a:chOff x="0" y="0"/>
+          <a:chExt cx="0" cy="0"/>
+        </a:xfrm>
+      </p:grpSpPr>
+      <p:sp>
+        <p:nvSpPr>
+          <p:cNvPr id="4" name="TextBox 3"/>
+          <p:cNvSpPr txBox="1"/>
+          <p:nvPr/>
+        </p:nvSpPr>
+        <p:spPr bwMode="white">
+          <a:xfrm>
+            <a:off x="347408" y="205770"/>
+            <a:ext cx="4800656" cy="646331"/>
+          </a:xfrm>
+          <a:prstGeom prst="rect">
+            <a:avLst/>
+          </a:prstGeom>
+          <a:noFill/>
+        </p:spPr>
+        <p:txBody>
+          <a:bodyPr wrap="square" rtlCol="0">
+            <a:spAutoFit/>
+          </a:bodyPr>
+          <a:lstStyle/>
+          <a:p>
+            <a:r>
+              <a:rPr lang="en-US" altLang="ko-KR" sz="3600" spc="-300" dirty="0">
+                <a:ln>
+                  <a:solidFill>
+                    <a:schemeClr val="accent1">
+                      <a:alpha val="0"/>
+                    </a:schemeClr>
+                  </a:solidFill>
+                </a:ln>
+                <a:solidFill>
+                  <a:srgbClr val="832F2F"/>
+                </a:solidFill>
+                <a:latin typeface="HY견고딕" pitchFamily="18" charset="-127"/>
+                <a:ea typeface="HY견고딕" pitchFamily="18" charset="-127"/>
+                <a:cs typeface="Tahoma" pitchFamily="34" charset="0"/>
+              </a:rPr>
+              <a:t>basketball match app</a:t>
+            </a:r>
+            <a:endParaRPr lang="ko-KR" altLang="en-US" sz="3500" spc="-150" dirty="0">
+              <a:ln>
+                <a:solidFill>
+                  <a:schemeClr val="accent1">
+                    <a:alpha val="0"/>
+                  </a:schemeClr>
+                </a:solidFill>
+              </a:ln>
+              <a:solidFill>
+                <a:srgbClr val="832F2F"/>
+              </a:solidFill>
+              <a:latin typeface="HY견고딕" pitchFamily="18" charset="-127"/>
+              <a:ea typeface="HY견고딕" pitchFamily="18" charset="-127"/>
+              <a:cs typeface="Tahoma" pitchFamily="34" charset="0"/>
+            </a:endParaRPr>
+          </a:p>
+        </p:txBody>
+      </p:sp>
+      <p:sp>
+        <p:nvSpPr>
+          <p:cNvPr id="6" name="TextBox 5"/>
+          <p:cNvSpPr txBox="1"/>
+          <p:nvPr/>
+        </p:nvSpPr>
+        <p:spPr>
+          <a:xfrm>
+            <a:off x="755576" y="2060848"/>
+            <a:ext cx="7462785" cy="2862322"/>
+          </a:xfrm>
+          <a:prstGeom prst="rect">
+            <a:avLst/>
+          </a:prstGeom>
+          <a:noFill/>
+        </p:spPr>
+        <p:txBody>
+          <a:bodyPr wrap="square" rtlCol="0">
+            <a:spAutoFit/>
+          </a:bodyPr>
+          <a:lstStyle/>
+          <a:p>
+            <a:pPr marL="457200" indent="-457200">
+              <a:buFont typeface="Arial" panose="020B0604020202020204" pitchFamily="34" charset="0"/>
+              <a:buChar char="•"/>
+            </a:pPr>
+            <a:r>
+              <a:rPr lang="en-US" altLang="ko-KR" sz="2000" spc="-150" dirty="0" smtClean="0">
+                <a:ln>
+                  <a:solidFill>
+                    <a:schemeClr val="accent1">
+                      <a:alpha val="0"/>
+                    </a:schemeClr>
+                  </a:solidFill>
+                </a:ln>
+                <a:solidFill>
+                  <a:srgbClr val="996633"/>
+                </a:solidFill>
+                <a:latin typeface="HY견고딕" pitchFamily="18" charset="-127"/>
+                <a:ea typeface="HY견고딕" pitchFamily="18" charset="-127"/>
+                <a:cs typeface="Tahoma" pitchFamily="34" charset="0"/>
+              </a:rPr>
+              <a:t>Google app engine </a:t>
+            </a:r>
+            <a:r>
+              <a:rPr lang="ko-KR" altLang="en-US" sz="2000" spc="-150" dirty="0" smtClean="0">
+                <a:ln>
+                  <a:solidFill>
+                    <a:schemeClr val="accent1">
+                      <a:alpha val="0"/>
+                    </a:schemeClr>
+                  </a:solidFill>
+                </a:ln>
+                <a:solidFill>
+                  <a:srgbClr val="996633"/>
+                </a:solidFill>
+                <a:latin typeface="HY견고딕" pitchFamily="18" charset="-127"/>
+                <a:ea typeface="HY견고딕" pitchFamily="18" charset="-127"/>
+                <a:cs typeface="Tahoma" pitchFamily="34" charset="0"/>
+              </a:rPr>
+              <a:t>에 </a:t>
+            </a:r>
+            <a:r>
+              <a:rPr lang="en-US" altLang="ko-KR" sz="2000" spc="-150" dirty="0" err="1" smtClean="0">
+                <a:ln>
+                  <a:solidFill>
+                    <a:schemeClr val="accent1">
+                      <a:alpha val="0"/>
+                    </a:schemeClr>
+                  </a:solidFill>
+                </a:ln>
+                <a:solidFill>
+                  <a:srgbClr val="996633"/>
+                </a:solidFill>
+                <a:latin typeface="HY견고딕" pitchFamily="18" charset="-127"/>
+                <a:ea typeface="HY견고딕" pitchFamily="18" charset="-127"/>
+                <a:cs typeface="Tahoma" pitchFamily="34" charset="0"/>
+              </a:rPr>
+              <a:t>db</a:t>
+            </a:r>
+            <a:r>
+              <a:rPr lang="ko-KR" altLang="en-US" sz="2000" spc="-150" dirty="0" smtClean="0">
+                <a:ln>
+                  <a:solidFill>
+                    <a:schemeClr val="accent1">
+                      <a:alpha val="0"/>
+                    </a:schemeClr>
+                  </a:solidFill>
+                </a:ln>
+                <a:solidFill>
+                  <a:srgbClr val="996633"/>
+                </a:solidFill>
+                <a:latin typeface="HY견고딕" pitchFamily="18" charset="-127"/>
+                <a:ea typeface="HY견고딕" pitchFamily="18" charset="-127"/>
+                <a:cs typeface="Tahoma" pitchFamily="34" charset="0"/>
+              </a:rPr>
+              <a:t>서버 구현</a:t>
+            </a:r>
+            <a:endParaRPr lang="en-US" altLang="ko-KR" sz="2000" spc="-150" dirty="0" smtClean="0">
+              <a:ln>
+                <a:solidFill>
+                  <a:schemeClr val="accent1">
+                    <a:alpha val="0"/>
+                  </a:schemeClr>
+                </a:solidFill>
+              </a:ln>
+              <a:solidFill>
+                <a:srgbClr val="996633"/>
+              </a:solidFill>
+              <a:latin typeface="HY견고딕" pitchFamily="18" charset="-127"/>
+              <a:ea typeface="HY견고딕" pitchFamily="18" charset="-127"/>
+              <a:cs typeface="Tahoma" pitchFamily="34" charset="0"/>
+            </a:endParaRPr>
+          </a:p>
+          <a:p>
+            <a:pPr marL="457200" indent="-457200">
+              <a:buFont typeface="Arial" panose="020B0604020202020204" pitchFamily="34" charset="0"/>
+              <a:buChar char="•"/>
+            </a:pPr>
+            <a:endParaRPr lang="en-US" altLang="ko-KR" sz="2000" spc="-150" dirty="0" smtClean="0">
+              <a:ln>
+                <a:solidFill>
+                  <a:schemeClr val="accent1">
+                    <a:alpha val="0"/>
+                  </a:schemeClr>
+                </a:solidFill>
+              </a:ln>
+              <a:solidFill>
+                <a:srgbClr val="996633"/>
+              </a:solidFill>
+              <a:latin typeface="HY견고딕" pitchFamily="18" charset="-127"/>
+              <a:ea typeface="HY견고딕" pitchFamily="18" charset="-127"/>
+              <a:cs typeface="Tahoma" pitchFamily="34" charset="0"/>
+            </a:endParaRPr>
+          </a:p>
+          <a:p>
+            <a:pPr marL="457200" indent="-457200">
+              <a:buFont typeface="Arial" panose="020B0604020202020204" pitchFamily="34" charset="0"/>
+              <a:buChar char="•"/>
+            </a:pPr>
+            <a:r>
+              <a:rPr lang="en-US" altLang="ko-KR" sz="2000" spc="-150" dirty="0" smtClean="0">
+                <a:ln>
+                  <a:solidFill>
+                    <a:schemeClr val="accent1">
+                      <a:alpha val="0"/>
+                    </a:schemeClr>
+                  </a:solidFill>
+                </a:ln>
+                <a:solidFill>
+                  <a:srgbClr val="996633"/>
+                </a:solidFill>
+                <a:latin typeface="HY견고딕" pitchFamily="18" charset="-127"/>
+                <a:ea typeface="HY견고딕" pitchFamily="18" charset="-127"/>
+                <a:cs typeface="Tahoma" pitchFamily="34" charset="0"/>
+              </a:rPr>
+              <a:t>Google place </a:t>
+            </a:r>
+            <a:r>
+              <a:rPr lang="en-US" altLang="ko-KR" sz="2000" spc="-150" dirty="0" err="1" smtClean="0">
+                <a:ln>
+                  <a:solidFill>
+                    <a:schemeClr val="accent1">
+                      <a:alpha val="0"/>
+                    </a:schemeClr>
+                  </a:solidFill>
+                </a:ln>
+                <a:solidFill>
+                  <a:srgbClr val="996633"/>
+                </a:solidFill>
+                <a:latin typeface="HY견고딕" pitchFamily="18" charset="-127"/>
+                <a:ea typeface="HY견고딕" pitchFamily="18" charset="-127"/>
+                <a:cs typeface="Tahoma" pitchFamily="34" charset="0"/>
+              </a:rPr>
+              <a:t>api</a:t>
+            </a:r>
+            <a:r>
+              <a:rPr lang="en-US" altLang="ko-KR" sz="2000" spc="-150" dirty="0" smtClean="0">
+                <a:ln>
+                  <a:solidFill>
+                    <a:schemeClr val="accent1">
+                      <a:alpha val="0"/>
+                    </a:schemeClr>
+                  </a:solidFill>
+                </a:ln>
+                <a:solidFill>
+                  <a:srgbClr val="996633"/>
+                </a:solidFill>
+                <a:latin typeface="HY견고딕" pitchFamily="18" charset="-127"/>
+                <a:ea typeface="HY견고딕" pitchFamily="18" charset="-127"/>
+                <a:cs typeface="Tahoma" pitchFamily="34" charset="0"/>
+              </a:rPr>
+              <a:t> </a:t>
+            </a:r>
+            <a:r>
+              <a:rPr lang="ko-KR" altLang="en-US" sz="2000" spc="-150" dirty="0" smtClean="0">
+                <a:ln>
+                  <a:solidFill>
+                    <a:schemeClr val="accent1">
+                      <a:alpha val="0"/>
+                    </a:schemeClr>
+                  </a:solidFill>
+                </a:ln>
+                <a:solidFill>
+                  <a:srgbClr val="996633"/>
+                </a:solidFill>
+                <a:latin typeface="HY견고딕" pitchFamily="18" charset="-127"/>
+                <a:ea typeface="HY견고딕" pitchFamily="18" charset="-127"/>
+                <a:cs typeface="Tahoma" pitchFamily="34" charset="0"/>
+              </a:rPr>
+              <a:t>를 이용한 지역검색 자동완성기능 완성</a:t>
+            </a:r>
+            <a:endParaRPr lang="en-US" altLang="ko-KR" sz="2000" spc="-150" smtClean="0">
+              <a:ln>
+                <a:solidFill>
+                  <a:schemeClr val="accent1">
+                    <a:alpha val="0"/>
+                  </a:schemeClr>
+                </a:solidFill>
+              </a:ln>
+              <a:solidFill>
+                <a:srgbClr val="996633"/>
+              </a:solidFill>
+              <a:latin typeface="HY견고딕" pitchFamily="18" charset="-127"/>
+              <a:ea typeface="HY견고딕" pitchFamily="18" charset="-127"/>
+              <a:cs typeface="Tahoma" pitchFamily="34" charset="0"/>
+            </a:endParaRPr>
+          </a:p>
+          <a:p>
+            <a:pPr marL="457200" indent="-457200">
+              <a:buFont typeface="Arial" panose="020B0604020202020204" pitchFamily="34" charset="0"/>
+              <a:buChar char="•"/>
+            </a:pPr>
+            <a:endParaRPr lang="en-US" altLang="ko-KR" sz="2000" spc="-150" dirty="0">
+              <a:ln>
+                <a:solidFill>
+                  <a:schemeClr val="accent1">
+                    <a:alpha val="0"/>
+                  </a:schemeClr>
+                </a:solidFill>
+              </a:ln>
+              <a:solidFill>
+                <a:srgbClr val="996633"/>
+              </a:solidFill>
+              <a:latin typeface="HY견고딕" pitchFamily="18" charset="-127"/>
+              <a:ea typeface="HY견고딕" pitchFamily="18" charset="-127"/>
+              <a:cs typeface="Tahoma" pitchFamily="34" charset="0"/>
+            </a:endParaRPr>
+          </a:p>
+          <a:p>
+            <a:pPr marL="457200" indent="-457200">
+              <a:buFont typeface="Arial" panose="020B0604020202020204" pitchFamily="34" charset="0"/>
+              <a:buChar char="•"/>
+            </a:pPr>
+            <a:r>
+              <a:rPr lang="ko-KR" altLang="en-US" sz="2000" spc="-150" dirty="0" smtClean="0">
+                <a:ln>
+                  <a:solidFill>
+                    <a:schemeClr val="accent1">
+                      <a:alpha val="0"/>
+                    </a:schemeClr>
+                  </a:solidFill>
+                </a:ln>
+                <a:solidFill>
+                  <a:srgbClr val="996633"/>
+                </a:solidFill>
+                <a:latin typeface="HY견고딕" pitchFamily="18" charset="-127"/>
+                <a:ea typeface="HY견고딕" pitchFamily="18" charset="-127"/>
+                <a:cs typeface="Tahoma" pitchFamily="34" charset="0"/>
+              </a:rPr>
+              <a:t>나머지 탭 들 구현</a:t>
+            </a:r>
+            <a:endParaRPr lang="en-US" altLang="ko-KR" sz="2000" spc="-150" dirty="0" smtClean="0">
+              <a:ln>
+                <a:solidFill>
+                  <a:schemeClr val="accent1">
+                    <a:alpha val="0"/>
+                  </a:schemeClr>
+                </a:solidFill>
+              </a:ln>
+              <a:solidFill>
+                <a:srgbClr val="996633"/>
+              </a:solidFill>
+              <a:latin typeface="HY견고딕" pitchFamily="18" charset="-127"/>
+              <a:ea typeface="HY견고딕" pitchFamily="18" charset="-127"/>
+              <a:cs typeface="Tahoma" pitchFamily="34" charset="0"/>
+            </a:endParaRPr>
+          </a:p>
+          <a:p>
+            <a:pPr marL="457200" indent="-457200">
+              <a:buFont typeface="Arial" panose="020B0604020202020204" pitchFamily="34" charset="0"/>
+              <a:buChar char="•"/>
+            </a:pPr>
+            <a:endParaRPr lang="en-US" altLang="ko-KR" sz="2000" spc="-150" dirty="0">
+              <a:ln>
+                <a:solidFill>
+                  <a:schemeClr val="accent1">
+                    <a:alpha val="0"/>
+                  </a:schemeClr>
+                </a:solidFill>
+              </a:ln>
+              <a:solidFill>
+                <a:srgbClr val="996633"/>
+              </a:solidFill>
+              <a:latin typeface="HY견고딕" pitchFamily="18" charset="-127"/>
+              <a:ea typeface="HY견고딕" pitchFamily="18" charset="-127"/>
+              <a:cs typeface="Tahoma" pitchFamily="34" charset="0"/>
+            </a:endParaRPr>
+          </a:p>
+          <a:p>
+            <a:pPr marL="457200" indent="-457200">
+              <a:buFont typeface="Arial" panose="020B0604020202020204" pitchFamily="34" charset="0"/>
+              <a:buChar char="•"/>
+            </a:pPr>
+            <a:endParaRPr lang="en-US" altLang="ko-KR" sz="2000" spc="-150" dirty="0" smtClean="0">
+              <a:ln>
+                <a:solidFill>
+                  <a:schemeClr val="accent1">
+                    <a:alpha val="0"/>
+                  </a:schemeClr>
+                </a:solidFill>
+              </a:ln>
+              <a:solidFill>
+                <a:srgbClr val="996633"/>
+              </a:solidFill>
+              <a:latin typeface="HY견고딕" pitchFamily="18" charset="-127"/>
+              <a:ea typeface="HY견고딕" pitchFamily="18" charset="-127"/>
+              <a:cs typeface="Tahoma" pitchFamily="34" charset="0"/>
+            </a:endParaRPr>
+          </a:p>
+          <a:p>
+            <a:pPr marL="457200" indent="-457200">
+              <a:buFont typeface="Arial" panose="020B0604020202020204" pitchFamily="34" charset="0"/>
+              <a:buChar char="•"/>
+            </a:pPr>
+            <a:endParaRPr lang="en-US" altLang="ko-KR" sz="2000" spc="-150" dirty="0" smtClean="0">
+              <a:ln>
+                <a:solidFill>
+                  <a:schemeClr val="accent1">
+                    <a:alpha val="0"/>
+                  </a:schemeClr>
+                </a:solidFill>
+              </a:ln>
+              <a:solidFill>
+                <a:srgbClr val="996633"/>
+              </a:solidFill>
+              <a:latin typeface="HY견고딕" pitchFamily="18" charset="-127"/>
+              <a:ea typeface="HY견고딕" pitchFamily="18" charset="-127"/>
+              <a:cs typeface="Tahoma" pitchFamily="34" charset="0"/>
+            </a:endParaRPr>
+          </a:p>
+          <a:p>
+            <a:pPr marL="457200" indent="-457200">
+              <a:buFont typeface="Arial" panose="020B0604020202020204" pitchFamily="34" charset="0"/>
+              <a:buChar char="•"/>
+            </a:pPr>
+            <a:endParaRPr lang="en-US" altLang="ko-KR" sz="2000" spc="-150" dirty="0" smtClean="0">
+              <a:ln>
+                <a:solidFill>
+                  <a:schemeClr val="accent1">
+                    <a:alpha val="0"/>
+                  </a:schemeClr>
+                </a:solidFill>
+              </a:ln>
+              <a:solidFill>
+                <a:srgbClr val="996633"/>
+              </a:solidFill>
+              <a:latin typeface="HY견고딕" pitchFamily="18" charset="-127"/>
+              <a:ea typeface="HY견고딕" pitchFamily="18" charset="-127"/>
+              <a:cs typeface="Tahoma" pitchFamily="34" charset="0"/>
+            </a:endParaRPr>
+          </a:p>
+        </p:txBody>
+      </p:sp>
+      <p:sp>
+        <p:nvSpPr>
+          <p:cNvPr id="5" name="TextBox 24"/>
+          <p:cNvSpPr txBox="1">
+            <a:spLocks noChangeArrowheads="1"/>
+          </p:cNvSpPr>
+          <p:nvPr/>
+        </p:nvSpPr>
+        <p:spPr bwMode="auto">
+          <a:xfrm>
+            <a:off x="755576" y="1484784"/>
+            <a:ext cx="2088232" cy="477054"/>
+          </a:xfrm>
+          <a:prstGeom prst="rect">
+            <a:avLst/>
+          </a:prstGeom>
+          <a:noFill/>
+          <a:ln w="9525">
+            <a:noFill/>
+            <a:miter lim="800000"/>
+            <a:headEnd/>
+            <a:tailEnd/>
+          </a:ln>
+        </p:spPr>
+        <p:txBody>
+          <a:bodyPr wrap="square">
+            <a:spAutoFit/>
+          </a:bodyPr>
+          <a:lstStyle/>
+          <a:p>
+            <a:pPr fontAlgn="auto">
+              <a:spcBef>
+                <a:spcPts val="0"/>
+              </a:spcBef>
+              <a:spcAft>
+                <a:spcPts val="0"/>
+              </a:spcAft>
+              <a:defRPr/>
+            </a:pPr>
+            <a:r>
+              <a:rPr lang="ko-KR" altLang="en-US" sz="2500" spc="-300" dirty="0" smtClean="0">
+                <a:ln>
+                  <a:solidFill>
+                    <a:schemeClr val="accent1">
+                      <a:alpha val="0"/>
+                    </a:schemeClr>
+                  </a:solidFill>
+                </a:ln>
+                <a:solidFill>
+                  <a:srgbClr val="CC6600"/>
+                </a:solidFill>
+                <a:latin typeface="HY견고딕" pitchFamily="18" charset="-127"/>
+                <a:ea typeface="HY견고딕" pitchFamily="18" charset="-127"/>
+                <a:cs typeface="Tahoma" pitchFamily="34" charset="0"/>
+              </a:rPr>
+              <a:t>추후 계발 계획</a:t>
+            </a:r>
+            <a:endParaRPr lang="en-US" altLang="ko-KR" sz="2500" spc="-300" dirty="0">
+              <a:ln>
+                <a:solidFill>
+                  <a:schemeClr val="accent1">
+                    <a:alpha val="0"/>
+                  </a:schemeClr>
+                </a:solidFill>
+              </a:ln>
+              <a:solidFill>
+                <a:srgbClr val="CC6600"/>
+              </a:solidFill>
+              <a:latin typeface="HY견고딕" pitchFamily="18" charset="-127"/>
+              <a:ea typeface="HY견고딕" pitchFamily="18" charset="-127"/>
+              <a:cs typeface="Tahoma" pitchFamily="34" charset="0"/>
+            </a:endParaRPr>
+          </a:p>
+        </p:txBody>
+      </p:sp>
+    </p:spTree>
+    <p:extLst>
+      <p:ext uri="{BB962C8B-B14F-4D97-AF65-F5344CB8AC3E}">
+        <p14:creationId xmlns:p14="http://schemas.microsoft.com/office/powerpoint/2010/main" val="1364073111"/>
+      </p:ext>
+    </p:extLst>
+  </p:cSld>
+  <p:clrMapOvr>
+    <a:masterClrMapping/>
+  </p:clrMapOvr>
+  <p:timing>
+    <p:tnLst>
+      <p:par>
+        <p:cTn id="1" dur="indefinite" restart="never" nodeType="tmRoot"/>
+      </p:par>
+    </p:tnLst>
+  </p:timing>
+</p:sld>
+</file>
+
+<file path=ppt/slides/slide11.xml><?xml version="1.0" encoding="utf-8"?>
+<p:sld xmlns:a="http://schemas.openxmlformats.org/drawingml/2006/main" xmlns:r="http://schemas.openxmlformats.org/officeDocument/2006/relationships" xmlns:p="http://schemas.openxmlformats.org/presentationml/2006/main">
+  <p:cSld>
+    <p:spTree>
+      <p:nvGrpSpPr>
+        <p:cNvPr id="1" name=""/>
+        <p:cNvGrpSpPr/>
+        <p:nvPr/>
+      </p:nvGrpSpPr>
+      <p:grpSpPr>
+        <a:xfrm>
+          <a:off x="0" y="0"/>
+          <a:ext cx="0" cy="0"/>
+          <a:chOff x="0" y="0"/>
+          <a:chExt cx="0" cy="0"/>
+        </a:xfrm>
+      </p:grpSpPr>
+      <p:sp>
+        <p:nvSpPr>
+          <p:cNvPr id="4" name="TextBox 3"/>
+          <p:cNvSpPr txBox="1"/>
+          <p:nvPr/>
+        </p:nvSpPr>
+        <p:spPr bwMode="white">
+          <a:xfrm>
+            <a:off x="1547664" y="2924944"/>
+            <a:ext cx="5832648" cy="646331"/>
+          </a:xfrm>
+          <a:prstGeom prst="rect">
+            <a:avLst/>
+          </a:prstGeom>
+          <a:noFill/>
+        </p:spPr>
+        <p:txBody>
+          <a:bodyPr wrap="square" rtlCol="0">
+            <a:spAutoFit/>
+          </a:bodyPr>
+          <a:lstStyle/>
+          <a:p>
+            <a:pPr algn="ctr"/>
+            <a:r>
+              <a:rPr lang="ko-KR" altLang="en-US" sz="3600" spc="-300" dirty="0" smtClean="0">
+                <a:ln>
+                  <a:solidFill>
+                    <a:schemeClr val="accent1">
+                      <a:alpha val="0"/>
+                    </a:schemeClr>
+                  </a:solidFill>
+                </a:ln>
+                <a:solidFill>
+                  <a:srgbClr val="832F2F"/>
+                </a:solidFill>
+                <a:latin typeface="HY견고딕" pitchFamily="18" charset="-127"/>
+                <a:ea typeface="HY견고딕" pitchFamily="18" charset="-127"/>
+                <a:cs typeface="Tahoma" pitchFamily="34" charset="0"/>
+              </a:rPr>
+              <a:t>감 사 합 </a:t>
+            </a:r>
+            <a:r>
+              <a:rPr lang="ko-KR" altLang="en-US" sz="3600" spc="-300" dirty="0" err="1" smtClean="0">
+                <a:ln>
+                  <a:solidFill>
+                    <a:schemeClr val="accent1">
+                      <a:alpha val="0"/>
+                    </a:schemeClr>
+                  </a:solidFill>
+                </a:ln>
+                <a:solidFill>
+                  <a:srgbClr val="832F2F"/>
+                </a:solidFill>
+                <a:latin typeface="HY견고딕" pitchFamily="18" charset="-127"/>
+                <a:ea typeface="HY견고딕" pitchFamily="18" charset="-127"/>
+                <a:cs typeface="Tahoma" pitchFamily="34" charset="0"/>
+              </a:rPr>
+              <a:t>니</a:t>
+            </a:r>
+            <a:r>
+              <a:rPr lang="ko-KR" altLang="en-US" sz="3600" spc="-300" dirty="0" smtClean="0">
+                <a:ln>
+                  <a:solidFill>
+                    <a:schemeClr val="accent1">
+                      <a:alpha val="0"/>
+                    </a:schemeClr>
+                  </a:solidFill>
+                </a:ln>
+                <a:solidFill>
+                  <a:srgbClr val="832F2F"/>
+                </a:solidFill>
+                <a:latin typeface="HY견고딕" pitchFamily="18" charset="-127"/>
+                <a:ea typeface="HY견고딕" pitchFamily="18" charset="-127"/>
+                <a:cs typeface="Tahoma" pitchFamily="34" charset="0"/>
+              </a:rPr>
+              <a:t> 다</a:t>
+            </a:r>
+            <a:endParaRPr lang="ko-KR" altLang="en-US" sz="3500" spc="-150" dirty="0">
+              <a:ln>
+                <a:solidFill>
+                  <a:schemeClr val="accent1">
+                    <a:alpha val="0"/>
+                  </a:schemeClr>
+                </a:solidFill>
+              </a:ln>
+              <a:solidFill>
+                <a:srgbClr val="832F2F"/>
+              </a:solidFill>
+              <a:latin typeface="HY견고딕" pitchFamily="18" charset="-127"/>
+              <a:ea typeface="HY견고딕" pitchFamily="18" charset="-127"/>
+              <a:cs typeface="Tahoma" pitchFamily="34" charset="0"/>
+            </a:endParaRPr>
+          </a:p>
+        </p:txBody>
+      </p:sp>
+    </p:spTree>
+    <p:extLst>
+      <p:ext uri="{BB962C8B-B14F-4D97-AF65-F5344CB8AC3E}">
+        <p14:creationId xmlns:p14="http://schemas.microsoft.com/office/powerpoint/2010/main" val="1215177373"/>
+      </p:ext>
+    </p:extLst>
+  </p:cSld>
+  <p:clrMapOvr>
+    <a:masterClrMapping/>
+  </p:clrMapOvr>
+  <p:timing>
+    <p:tnLst>
+      <p:par>
+        <p:cTn id="1" dur="indefinite" restart="never" nodeType="tmRoot"/>
+      </p:par>
+    </p:tnLst>
+  </p:timing>
+</p:sld>
+</file>
+
 <file path=ppt/slides/slide2.xml><?xml version="1.0" encoding="utf-8"?>
 <p:sld xmlns:a="http://schemas.openxmlformats.org/drawingml/2006/main" xmlns:r="http://schemas.openxmlformats.org/officeDocument/2006/relationships" xmlns:p="http://schemas.openxmlformats.org/presentationml/2006/main">
   <p:cSld>
@@ -2234,8 +3270,8 @@
         </p:nvSpPr>
         <p:spPr>
           <a:xfrm>
-            <a:off x="755576" y="2060848"/>
-            <a:ext cx="7462785" cy="2554545"/>
+            <a:off x="755576" y="2613209"/>
+            <a:ext cx="7462785" cy="1323439"/>
           </a:xfrm>
           <a:prstGeom prst="rect">
             <a:avLst/>
@@ -2313,159 +3349,6 @@
               <a:buChar char="•"/>
             </a:pPr>
             <a:endParaRPr lang="en-US" altLang="ko-KR" sz="2000" spc="-150" dirty="0" smtClean="0">
-              <a:ln>
-                <a:solidFill>
-                  <a:schemeClr val="accent1">
-                    <a:alpha val="0"/>
-                  </a:schemeClr>
-                </a:solidFill>
-              </a:ln>
-              <a:solidFill>
-                <a:srgbClr val="996633"/>
-              </a:solidFill>
-              <a:latin typeface="HY견고딕" pitchFamily="18" charset="-127"/>
-              <a:ea typeface="HY견고딕" pitchFamily="18" charset="-127"/>
-              <a:cs typeface="Tahoma" pitchFamily="34" charset="0"/>
-            </a:endParaRPr>
-          </a:p>
-          <a:p>
-            <a:pPr marL="457200" indent="-457200">
-              <a:buFont typeface="Arial" panose="020B0604020202020204" pitchFamily="34" charset="0"/>
-              <a:buChar char="•"/>
-            </a:pPr>
-            <a:r>
-              <a:rPr lang="ko-KR" altLang="en-US" sz="2000" spc="-150" dirty="0" smtClean="0">
-                <a:ln>
-                  <a:solidFill>
-                    <a:schemeClr val="accent1">
-                      <a:alpha val="0"/>
-                    </a:schemeClr>
-                  </a:solidFill>
-                </a:ln>
-                <a:solidFill>
-                  <a:srgbClr val="996633"/>
-                </a:solidFill>
-                <a:latin typeface="HY견고딕" pitchFamily="18" charset="-127"/>
-                <a:ea typeface="HY견고딕" pitchFamily="18" charset="-127"/>
-                <a:cs typeface="Tahoma" pitchFamily="34" charset="0"/>
-              </a:rPr>
-              <a:t>자신의 </a:t>
-            </a:r>
-            <a:r>
-              <a:rPr lang="ko-KR" altLang="en-US" sz="2000" spc="-150" dirty="0">
-                <a:ln>
-                  <a:solidFill>
-                    <a:schemeClr val="accent1">
-                      <a:alpha val="0"/>
-                    </a:schemeClr>
-                  </a:solidFill>
-                </a:ln>
-                <a:solidFill>
-                  <a:srgbClr val="996633"/>
-                </a:solidFill>
-                <a:latin typeface="HY견고딕" pitchFamily="18" charset="-127"/>
-                <a:ea typeface="HY견고딕" pitchFamily="18" charset="-127"/>
-                <a:cs typeface="Tahoma" pitchFamily="34" charset="0"/>
-              </a:rPr>
-              <a:t>정보를 </a:t>
-            </a:r>
-            <a:r>
-              <a:rPr lang="ko-KR" altLang="en-US" sz="2000" spc="-150" dirty="0" smtClean="0">
-                <a:ln>
-                  <a:solidFill>
-                    <a:schemeClr val="accent1">
-                      <a:alpha val="0"/>
-                    </a:schemeClr>
-                  </a:solidFill>
-                </a:ln>
-                <a:solidFill>
-                  <a:srgbClr val="996633"/>
-                </a:solidFill>
-                <a:latin typeface="HY견고딕" pitchFamily="18" charset="-127"/>
-                <a:ea typeface="HY견고딕" pitchFamily="18" charset="-127"/>
-                <a:cs typeface="Tahoma" pitchFamily="34" charset="0"/>
-              </a:rPr>
-              <a:t>등록하여 </a:t>
-            </a:r>
-            <a:r>
-              <a:rPr lang="ko-KR" altLang="en-US" sz="2000" spc="-150" dirty="0">
-                <a:ln>
-                  <a:solidFill>
-                    <a:schemeClr val="accent1">
-                      <a:alpha val="0"/>
-                    </a:schemeClr>
-                  </a:solidFill>
-                </a:ln>
-                <a:solidFill>
-                  <a:srgbClr val="996633"/>
-                </a:solidFill>
-                <a:latin typeface="HY견고딕" pitchFamily="18" charset="-127"/>
-                <a:ea typeface="HY견고딕" pitchFamily="18" charset="-127"/>
-                <a:cs typeface="Tahoma" pitchFamily="34" charset="0"/>
-              </a:rPr>
-              <a:t>팀을 만들어 팀원을 모아서 팀을 구성하거나  다른 팀에 들어갈 수 있다</a:t>
-            </a:r>
-            <a:endParaRPr lang="en-US" altLang="ko-KR" sz="2000" spc="-150" dirty="0">
-              <a:ln>
-                <a:solidFill>
-                  <a:schemeClr val="accent1">
-                    <a:alpha val="0"/>
-                  </a:schemeClr>
-                </a:solidFill>
-              </a:ln>
-              <a:solidFill>
-                <a:srgbClr val="996633"/>
-              </a:solidFill>
-              <a:latin typeface="HY견고딕" pitchFamily="18" charset="-127"/>
-              <a:ea typeface="HY견고딕" pitchFamily="18" charset="-127"/>
-              <a:cs typeface="Tahoma" pitchFamily="34" charset="0"/>
-            </a:endParaRPr>
-          </a:p>
-          <a:p>
-            <a:pPr marL="457200" indent="-457200">
-              <a:buFont typeface="Arial" panose="020B0604020202020204" pitchFamily="34" charset="0"/>
-              <a:buChar char="•"/>
-            </a:pPr>
-            <a:endParaRPr lang="en-US" altLang="ko-KR" sz="2000" spc="-150" dirty="0">
-              <a:ln>
-                <a:solidFill>
-                  <a:schemeClr val="accent1">
-                    <a:alpha val="0"/>
-                  </a:schemeClr>
-                </a:solidFill>
-              </a:ln>
-              <a:solidFill>
-                <a:srgbClr val="996633"/>
-              </a:solidFill>
-              <a:latin typeface="HY견고딕" pitchFamily="18" charset="-127"/>
-              <a:ea typeface="HY견고딕" pitchFamily="18" charset="-127"/>
-              <a:cs typeface="Tahoma" pitchFamily="34" charset="0"/>
-            </a:endParaRPr>
-          </a:p>
-          <a:p>
-            <a:pPr marL="457200" indent="-457200">
-              <a:buFont typeface="Arial" panose="020B0604020202020204" pitchFamily="34" charset="0"/>
-              <a:buChar char="•"/>
-            </a:pPr>
-            <a:r>
-              <a:rPr lang="ko-KR" altLang="en-US" sz="2000" spc="-150" dirty="0">
-                <a:ln>
-                  <a:solidFill>
-                    <a:schemeClr val="accent1">
-                      <a:alpha val="0"/>
-                    </a:schemeClr>
-                  </a:solidFill>
-                </a:ln>
-                <a:solidFill>
-                  <a:srgbClr val="996633"/>
-                </a:solidFill>
-                <a:latin typeface="HY견고딕" pitchFamily="18" charset="-127"/>
-                <a:ea typeface="HY견고딕" pitchFamily="18" charset="-127"/>
-                <a:cs typeface="Tahoma" pitchFamily="34" charset="0"/>
-              </a:rPr>
-              <a:t>팀장은 가까운 지역의 다른 팀을 찾아서 경기 약속을 잡을 수 있다</a:t>
-            </a:r>
-            <a:endParaRPr lang="en-US" altLang="ko-KR" sz="2000" spc="-150" dirty="0">
               <a:ln>
                 <a:solidFill>
                   <a:schemeClr val="accent1">
@@ -2600,6 +3483,1400 @@
 </file>
 
 <file path=ppt/slides/slide3.xml><?xml version="1.0" encoding="utf-8"?>
+<p:sld xmlns:a="http://schemas.openxmlformats.org/drawingml/2006/main" xmlns:r="http://schemas.openxmlformats.org/officeDocument/2006/relationships" xmlns:p="http://schemas.openxmlformats.org/presentationml/2006/main">
+  <p:cSld>
+    <p:spTree>
+      <p:nvGrpSpPr>
+        <p:cNvPr id="1" name=""/>
+        <p:cNvGrpSpPr/>
+        <p:nvPr/>
+      </p:nvGrpSpPr>
+      <p:grpSpPr>
+        <a:xfrm>
+          <a:off x="0" y="0"/>
+          <a:ext cx="0" cy="0"/>
+          <a:chOff x="0" y="0"/>
+          <a:chExt cx="0" cy="0"/>
+        </a:xfrm>
+      </p:grpSpPr>
+      <p:sp>
+        <p:nvSpPr>
+          <p:cNvPr id="4" name="TextBox 3"/>
+          <p:cNvSpPr txBox="1"/>
+          <p:nvPr/>
+        </p:nvSpPr>
+        <p:spPr bwMode="white">
+          <a:xfrm>
+            <a:off x="347408" y="205770"/>
+            <a:ext cx="4800656" cy="646331"/>
+          </a:xfrm>
+          <a:prstGeom prst="rect">
+            <a:avLst/>
+          </a:prstGeom>
+          <a:noFill/>
+        </p:spPr>
+        <p:txBody>
+          <a:bodyPr wrap="square" rtlCol="0">
+            <a:spAutoFit/>
+          </a:bodyPr>
+          <a:lstStyle/>
+          <a:p>
+            <a:r>
+              <a:rPr lang="en-US" altLang="ko-KR" sz="3600" spc="-300" dirty="0">
+                <a:ln>
+                  <a:solidFill>
+                    <a:schemeClr val="accent1">
+                      <a:alpha val="0"/>
+                    </a:schemeClr>
+                  </a:solidFill>
+                </a:ln>
+                <a:solidFill>
+                  <a:srgbClr val="832F2F"/>
+                </a:solidFill>
+                <a:latin typeface="HY견고딕" pitchFamily="18" charset="-127"/>
+                <a:ea typeface="HY견고딕" pitchFamily="18" charset="-127"/>
+                <a:cs typeface="Tahoma" pitchFamily="34" charset="0"/>
+              </a:rPr>
+              <a:t>basketball match app</a:t>
+            </a:r>
+            <a:endParaRPr lang="ko-KR" altLang="en-US" sz="3500" spc="-150" dirty="0">
+              <a:ln>
+                <a:solidFill>
+                  <a:schemeClr val="accent1">
+                    <a:alpha val="0"/>
+                  </a:schemeClr>
+                </a:solidFill>
+              </a:ln>
+              <a:solidFill>
+                <a:srgbClr val="832F2F"/>
+              </a:solidFill>
+              <a:latin typeface="HY견고딕" pitchFamily="18" charset="-127"/>
+              <a:ea typeface="HY견고딕" pitchFamily="18" charset="-127"/>
+              <a:cs typeface="Tahoma" pitchFamily="34" charset="0"/>
+            </a:endParaRPr>
+          </a:p>
+        </p:txBody>
+      </p:sp>
+      <p:sp>
+        <p:nvSpPr>
+          <p:cNvPr id="6" name="TextBox 5"/>
+          <p:cNvSpPr txBox="1"/>
+          <p:nvPr/>
+        </p:nvSpPr>
+        <p:spPr>
+          <a:xfrm>
+            <a:off x="467544" y="2348880"/>
+            <a:ext cx="7390777" cy="1015663"/>
+          </a:xfrm>
+          <a:prstGeom prst="rect">
+            <a:avLst/>
+          </a:prstGeom>
+          <a:noFill/>
+        </p:spPr>
+        <p:txBody>
+          <a:bodyPr wrap="square" rtlCol="0">
+            <a:spAutoFit/>
+          </a:bodyPr>
+          <a:lstStyle/>
+          <a:p>
+            <a:pPr marL="457200" indent="-457200">
+              <a:buFont typeface="Arial" panose="020B0604020202020204" pitchFamily="34" charset="0"/>
+              <a:buChar char="•"/>
+            </a:pPr>
+            <a:r>
+              <a:rPr lang="ko-KR" altLang="en-US" sz="2000" spc="-150" dirty="0" smtClean="0">
+                <a:ln>
+                  <a:solidFill>
+                    <a:schemeClr val="accent1">
+                      <a:alpha val="0"/>
+                    </a:schemeClr>
+                  </a:solidFill>
+                </a:ln>
+                <a:solidFill>
+                  <a:srgbClr val="996633"/>
+                </a:solidFill>
+                <a:latin typeface="HY견고딕" pitchFamily="18" charset="-127"/>
+                <a:ea typeface="HY견고딕" pitchFamily="18" charset="-127"/>
+                <a:cs typeface="Tahoma" pitchFamily="34" charset="0"/>
+              </a:rPr>
+              <a:t>농구를 하고 싶은데  같이 할  사람이 없다</a:t>
+            </a:r>
+            <a:r>
+              <a:rPr lang="en-US" altLang="ko-KR" sz="2000" spc="-150" dirty="0" smtClean="0">
+                <a:ln>
+                  <a:solidFill>
+                    <a:schemeClr val="accent1">
+                      <a:alpha val="0"/>
+                    </a:schemeClr>
+                  </a:solidFill>
+                </a:ln>
+                <a:solidFill>
+                  <a:srgbClr val="996633"/>
+                </a:solidFill>
+                <a:latin typeface="HY견고딕" pitchFamily="18" charset="-127"/>
+                <a:ea typeface="HY견고딕" pitchFamily="18" charset="-127"/>
+                <a:cs typeface="Tahoma" pitchFamily="34" charset="0"/>
+              </a:rPr>
+              <a:t>.</a:t>
+            </a:r>
+          </a:p>
+          <a:p>
+            <a:pPr marL="457200" indent="-457200">
+              <a:buFont typeface="Arial" panose="020B0604020202020204" pitchFamily="34" charset="0"/>
+              <a:buChar char="•"/>
+            </a:pPr>
+            <a:endParaRPr lang="en-US" altLang="ko-KR" sz="2000" spc="-150" dirty="0" smtClean="0">
+              <a:ln>
+                <a:solidFill>
+                  <a:schemeClr val="accent1">
+                    <a:alpha val="0"/>
+                  </a:schemeClr>
+                </a:solidFill>
+              </a:ln>
+              <a:solidFill>
+                <a:srgbClr val="996633"/>
+              </a:solidFill>
+              <a:latin typeface="HY견고딕" pitchFamily="18" charset="-127"/>
+              <a:ea typeface="HY견고딕" pitchFamily="18" charset="-127"/>
+              <a:cs typeface="Tahoma" pitchFamily="34" charset="0"/>
+            </a:endParaRPr>
+          </a:p>
+          <a:p>
+            <a:pPr marL="457200" indent="-457200">
+              <a:buFont typeface="Arial" panose="020B0604020202020204" pitchFamily="34" charset="0"/>
+              <a:buChar char="•"/>
+            </a:pPr>
+            <a:r>
+              <a:rPr lang="ko-KR" altLang="en-US" sz="2000" spc="-150" dirty="0" smtClean="0">
+                <a:ln>
+                  <a:solidFill>
+                    <a:schemeClr val="accent1">
+                      <a:alpha val="0"/>
+                    </a:schemeClr>
+                  </a:solidFill>
+                </a:ln>
+                <a:solidFill>
+                  <a:srgbClr val="996633"/>
+                </a:solidFill>
+                <a:latin typeface="HY견고딕" pitchFamily="18" charset="-127"/>
+                <a:ea typeface="HY견고딕" pitchFamily="18" charset="-127"/>
+                <a:cs typeface="Tahoma" pitchFamily="34" charset="0"/>
+              </a:rPr>
+              <a:t>매일 같은 사람들 끼리 시합을 하니까  질린다</a:t>
+            </a:r>
+            <a:r>
+              <a:rPr lang="en-US" altLang="ko-KR" sz="2000" spc="-150" dirty="0" smtClean="0">
+                <a:ln>
+                  <a:solidFill>
+                    <a:schemeClr val="accent1">
+                      <a:alpha val="0"/>
+                    </a:schemeClr>
+                  </a:solidFill>
+                </a:ln>
+                <a:solidFill>
+                  <a:srgbClr val="996633"/>
+                </a:solidFill>
+                <a:latin typeface="HY견고딕" pitchFamily="18" charset="-127"/>
+                <a:ea typeface="HY견고딕" pitchFamily="18" charset="-127"/>
+                <a:cs typeface="Tahoma" pitchFamily="34" charset="0"/>
+              </a:rPr>
+              <a:t>.</a:t>
+            </a:r>
+          </a:p>
+        </p:txBody>
+      </p:sp>
+      <p:sp>
+        <p:nvSpPr>
+          <p:cNvPr id="5" name="TextBox 24"/>
+          <p:cNvSpPr txBox="1">
+            <a:spLocks noChangeArrowheads="1"/>
+          </p:cNvSpPr>
+          <p:nvPr/>
+        </p:nvSpPr>
+        <p:spPr bwMode="auto">
+          <a:xfrm>
+            <a:off x="539552" y="1700808"/>
+            <a:ext cx="2088232" cy="477054"/>
+          </a:xfrm>
+          <a:prstGeom prst="rect">
+            <a:avLst/>
+          </a:prstGeom>
+          <a:noFill/>
+          <a:ln w="9525">
+            <a:noFill/>
+            <a:miter lim="800000"/>
+            <a:headEnd/>
+            <a:tailEnd/>
+          </a:ln>
+        </p:spPr>
+        <p:txBody>
+          <a:bodyPr wrap="square">
+            <a:spAutoFit/>
+          </a:bodyPr>
+          <a:lstStyle/>
+          <a:p>
+            <a:pPr fontAlgn="auto">
+              <a:spcBef>
+                <a:spcPts val="0"/>
+              </a:spcBef>
+              <a:spcAft>
+                <a:spcPts val="0"/>
+              </a:spcAft>
+              <a:defRPr/>
+            </a:pPr>
+            <a:r>
+              <a:rPr lang="ko-KR" altLang="en-US" sz="2500" spc="-300" dirty="0" smtClean="0">
+                <a:ln>
+                  <a:solidFill>
+                    <a:schemeClr val="accent1">
+                      <a:alpha val="0"/>
+                    </a:schemeClr>
+                  </a:solidFill>
+                </a:ln>
+                <a:solidFill>
+                  <a:srgbClr val="CC6600"/>
+                </a:solidFill>
+                <a:latin typeface="HY견고딕" pitchFamily="18" charset="-127"/>
+                <a:ea typeface="HY견고딕" pitchFamily="18" charset="-127"/>
+                <a:cs typeface="Tahoma" pitchFamily="34" charset="0"/>
+              </a:rPr>
+              <a:t>배경 </a:t>
+            </a:r>
+            <a:endParaRPr lang="en-US" altLang="ko-KR" sz="2500" spc="-300" dirty="0">
+              <a:ln>
+                <a:solidFill>
+                  <a:schemeClr val="accent1">
+                    <a:alpha val="0"/>
+                  </a:schemeClr>
+                </a:solidFill>
+              </a:ln>
+              <a:solidFill>
+                <a:srgbClr val="CC6600"/>
+              </a:solidFill>
+              <a:latin typeface="HY견고딕" pitchFamily="18" charset="-127"/>
+              <a:ea typeface="HY견고딕" pitchFamily="18" charset="-127"/>
+              <a:cs typeface="Tahoma" pitchFamily="34" charset="0"/>
+            </a:endParaRPr>
+          </a:p>
+        </p:txBody>
+      </p:sp>
+    </p:spTree>
+    <p:extLst>
+      <p:ext uri="{BB962C8B-B14F-4D97-AF65-F5344CB8AC3E}">
+        <p14:creationId xmlns:p14="http://schemas.microsoft.com/office/powerpoint/2010/main" val="3299420199"/>
+      </p:ext>
+    </p:extLst>
+  </p:cSld>
+  <p:clrMapOvr>
+    <a:masterClrMapping/>
+  </p:clrMapOvr>
+  <p:timing>
+    <p:tnLst>
+      <p:par>
+        <p:cTn id="1" dur="indefinite" restart="never" nodeType="tmRoot"/>
+      </p:par>
+    </p:tnLst>
+  </p:timing>
+</p:sld>
+</file>
+
+<file path=ppt/slides/slide4.xml><?xml version="1.0" encoding="utf-8"?>
+<p:sld xmlns:a="http://schemas.openxmlformats.org/drawingml/2006/main" xmlns:r="http://schemas.openxmlformats.org/officeDocument/2006/relationships" xmlns:p="http://schemas.openxmlformats.org/presentationml/2006/main">
+  <p:cSld>
+    <p:spTree>
+      <p:nvGrpSpPr>
+        <p:cNvPr id="1" name=""/>
+        <p:cNvGrpSpPr/>
+        <p:nvPr/>
+      </p:nvGrpSpPr>
+      <p:grpSpPr>
+        <a:xfrm>
+          <a:off x="0" y="0"/>
+          <a:ext cx="0" cy="0"/>
+          <a:chOff x="0" y="0"/>
+          <a:chExt cx="0" cy="0"/>
+        </a:xfrm>
+      </p:grpSpPr>
+      <p:sp>
+        <p:nvSpPr>
+          <p:cNvPr id="4" name="TextBox 3"/>
+          <p:cNvSpPr txBox="1"/>
+          <p:nvPr/>
+        </p:nvSpPr>
+        <p:spPr bwMode="white">
+          <a:xfrm>
+            <a:off x="347408" y="205770"/>
+            <a:ext cx="4800656" cy="646331"/>
+          </a:xfrm>
+          <a:prstGeom prst="rect">
+            <a:avLst/>
+          </a:prstGeom>
+          <a:noFill/>
+        </p:spPr>
+        <p:txBody>
+          <a:bodyPr wrap="square" rtlCol="0">
+            <a:spAutoFit/>
+          </a:bodyPr>
+          <a:lstStyle/>
+          <a:p>
+            <a:r>
+              <a:rPr lang="en-US" altLang="ko-KR" sz="3600" spc="-300" dirty="0">
+                <a:ln>
+                  <a:solidFill>
+                    <a:schemeClr val="accent1">
+                      <a:alpha val="0"/>
+                    </a:schemeClr>
+                  </a:solidFill>
+                </a:ln>
+                <a:solidFill>
+                  <a:srgbClr val="832F2F"/>
+                </a:solidFill>
+                <a:latin typeface="HY견고딕" pitchFamily="18" charset="-127"/>
+                <a:ea typeface="HY견고딕" pitchFamily="18" charset="-127"/>
+                <a:cs typeface="Tahoma" pitchFamily="34" charset="0"/>
+              </a:rPr>
+              <a:t>basketball match app</a:t>
+            </a:r>
+            <a:endParaRPr lang="ko-KR" altLang="en-US" sz="3500" spc="-150" dirty="0">
+              <a:ln>
+                <a:solidFill>
+                  <a:schemeClr val="accent1">
+                    <a:alpha val="0"/>
+                  </a:schemeClr>
+                </a:solidFill>
+              </a:ln>
+              <a:solidFill>
+                <a:srgbClr val="832F2F"/>
+              </a:solidFill>
+              <a:latin typeface="HY견고딕" pitchFamily="18" charset="-127"/>
+              <a:ea typeface="HY견고딕" pitchFamily="18" charset="-127"/>
+              <a:cs typeface="Tahoma" pitchFamily="34" charset="0"/>
+            </a:endParaRPr>
+          </a:p>
+        </p:txBody>
+      </p:sp>
+      <p:sp>
+        <p:nvSpPr>
+          <p:cNvPr id="6" name="TextBox 5"/>
+          <p:cNvSpPr txBox="1"/>
+          <p:nvPr/>
+        </p:nvSpPr>
+        <p:spPr>
+          <a:xfrm>
+            <a:off x="755576" y="2060848"/>
+            <a:ext cx="7462785" cy="1631216"/>
+          </a:xfrm>
+          <a:prstGeom prst="rect">
+            <a:avLst/>
+          </a:prstGeom>
+          <a:noFill/>
+        </p:spPr>
+        <p:txBody>
+          <a:bodyPr wrap="square" rtlCol="0">
+            <a:spAutoFit/>
+          </a:bodyPr>
+          <a:lstStyle/>
+          <a:p>
+            <a:pPr marL="457200" indent="-457200">
+              <a:buFont typeface="Arial" panose="020B0604020202020204" pitchFamily="34" charset="0"/>
+              <a:buChar char="•"/>
+            </a:pPr>
+            <a:r>
+              <a:rPr lang="ko-KR" altLang="en-US" sz="2000" spc="-150" dirty="0" smtClean="0">
+                <a:ln>
+                  <a:solidFill>
+                    <a:schemeClr val="accent1">
+                      <a:alpha val="0"/>
+                    </a:schemeClr>
+                  </a:solidFill>
+                </a:ln>
+                <a:solidFill>
+                  <a:srgbClr val="996633"/>
+                </a:solidFill>
+                <a:latin typeface="HY견고딕" pitchFamily="18" charset="-127"/>
+                <a:ea typeface="HY견고딕" pitchFamily="18" charset="-127"/>
+                <a:cs typeface="Tahoma" pitchFamily="34" charset="0"/>
+              </a:rPr>
+              <a:t>자신의 정보를 등록하여 팀을 만들어 팀원을 모아서 팀을 구성하거나  다른 팀에 들어갈 수 있다</a:t>
+            </a:r>
+            <a:endParaRPr lang="en-US" altLang="ko-KR" sz="2000" spc="-150" dirty="0" smtClean="0">
+              <a:ln>
+                <a:solidFill>
+                  <a:schemeClr val="accent1">
+                    <a:alpha val="0"/>
+                  </a:schemeClr>
+                </a:solidFill>
+              </a:ln>
+              <a:solidFill>
+                <a:srgbClr val="996633"/>
+              </a:solidFill>
+              <a:latin typeface="HY견고딕" pitchFamily="18" charset="-127"/>
+              <a:ea typeface="HY견고딕" pitchFamily="18" charset="-127"/>
+              <a:cs typeface="Tahoma" pitchFamily="34" charset="0"/>
+            </a:endParaRPr>
+          </a:p>
+          <a:p>
+            <a:pPr marL="457200" indent="-457200">
+              <a:buFont typeface="Arial" panose="020B0604020202020204" pitchFamily="34" charset="0"/>
+              <a:buChar char="•"/>
+            </a:pPr>
+            <a:endParaRPr lang="en-US" altLang="ko-KR" sz="2000" spc="-150" dirty="0" smtClean="0">
+              <a:ln>
+                <a:solidFill>
+                  <a:schemeClr val="accent1">
+                    <a:alpha val="0"/>
+                  </a:schemeClr>
+                </a:solidFill>
+              </a:ln>
+              <a:solidFill>
+                <a:srgbClr val="996633"/>
+              </a:solidFill>
+              <a:latin typeface="HY견고딕" pitchFamily="18" charset="-127"/>
+              <a:ea typeface="HY견고딕" pitchFamily="18" charset="-127"/>
+              <a:cs typeface="Tahoma" pitchFamily="34" charset="0"/>
+            </a:endParaRPr>
+          </a:p>
+          <a:p>
+            <a:pPr marL="457200" indent="-457200">
+              <a:buFont typeface="Arial" panose="020B0604020202020204" pitchFamily="34" charset="0"/>
+              <a:buChar char="•"/>
+            </a:pPr>
+            <a:r>
+              <a:rPr lang="ko-KR" altLang="en-US" sz="2000" spc="-150" dirty="0" smtClean="0">
+                <a:ln>
+                  <a:solidFill>
+                    <a:schemeClr val="accent1">
+                      <a:alpha val="0"/>
+                    </a:schemeClr>
+                  </a:solidFill>
+                </a:ln>
+                <a:solidFill>
+                  <a:srgbClr val="996633"/>
+                </a:solidFill>
+                <a:latin typeface="HY견고딕" pitchFamily="18" charset="-127"/>
+                <a:ea typeface="HY견고딕" pitchFamily="18" charset="-127"/>
+                <a:cs typeface="Tahoma" pitchFamily="34" charset="0"/>
+              </a:rPr>
+              <a:t>팀장은 가까운 지역의 다른 팀을 찾아서 경기 약속을 잡을 수 있다</a:t>
+            </a:r>
+            <a:endParaRPr lang="en-US" altLang="ko-KR" sz="2000" spc="-150" dirty="0" smtClean="0">
+              <a:ln>
+                <a:solidFill>
+                  <a:schemeClr val="accent1">
+                    <a:alpha val="0"/>
+                  </a:schemeClr>
+                </a:solidFill>
+              </a:ln>
+              <a:solidFill>
+                <a:srgbClr val="996633"/>
+              </a:solidFill>
+              <a:latin typeface="HY견고딕" pitchFamily="18" charset="-127"/>
+              <a:ea typeface="HY견고딕" pitchFamily="18" charset="-127"/>
+              <a:cs typeface="Tahoma" pitchFamily="34" charset="0"/>
+            </a:endParaRPr>
+          </a:p>
+          <a:p>
+            <a:pPr marL="457200" indent="-457200">
+              <a:buFont typeface="Arial" panose="020B0604020202020204" pitchFamily="34" charset="0"/>
+              <a:buChar char="•"/>
+            </a:pPr>
+            <a:endParaRPr lang="en-US" altLang="ko-KR" sz="2000" spc="-150" dirty="0" smtClean="0">
+              <a:ln>
+                <a:solidFill>
+                  <a:schemeClr val="accent1">
+                    <a:alpha val="0"/>
+                  </a:schemeClr>
+                </a:solidFill>
+              </a:ln>
+              <a:solidFill>
+                <a:srgbClr val="996633"/>
+              </a:solidFill>
+              <a:latin typeface="HY견고딕" pitchFamily="18" charset="-127"/>
+              <a:ea typeface="HY견고딕" pitchFamily="18" charset="-127"/>
+              <a:cs typeface="Tahoma" pitchFamily="34" charset="0"/>
+            </a:endParaRPr>
+          </a:p>
+        </p:txBody>
+      </p:sp>
+      <p:sp>
+        <p:nvSpPr>
+          <p:cNvPr id="5" name="TextBox 24"/>
+          <p:cNvSpPr txBox="1">
+            <a:spLocks noChangeArrowheads="1"/>
+          </p:cNvSpPr>
+          <p:nvPr/>
+        </p:nvSpPr>
+        <p:spPr bwMode="auto">
+          <a:xfrm>
+            <a:off x="827584" y="1484784"/>
+            <a:ext cx="2088232" cy="477054"/>
+          </a:xfrm>
+          <a:prstGeom prst="rect">
+            <a:avLst/>
+          </a:prstGeom>
+          <a:noFill/>
+          <a:ln w="9525">
+            <a:noFill/>
+            <a:miter lim="800000"/>
+            <a:headEnd/>
+            <a:tailEnd/>
+          </a:ln>
+        </p:spPr>
+        <p:txBody>
+          <a:bodyPr wrap="square">
+            <a:spAutoFit/>
+          </a:bodyPr>
+          <a:lstStyle/>
+          <a:p>
+            <a:pPr fontAlgn="auto">
+              <a:spcBef>
+                <a:spcPts val="0"/>
+              </a:spcBef>
+              <a:spcAft>
+                <a:spcPts val="0"/>
+              </a:spcAft>
+              <a:defRPr/>
+            </a:pPr>
+            <a:r>
+              <a:rPr lang="ko-KR" altLang="en-US" sz="2500" spc="-300" dirty="0" smtClean="0">
+                <a:ln>
+                  <a:solidFill>
+                    <a:schemeClr val="accent1">
+                      <a:alpha val="0"/>
+                    </a:schemeClr>
+                  </a:solidFill>
+                </a:ln>
+                <a:solidFill>
+                  <a:srgbClr val="CC6600"/>
+                </a:solidFill>
+                <a:latin typeface="HY견고딕" pitchFamily="18" charset="-127"/>
+                <a:ea typeface="HY견고딕" pitchFamily="18" charset="-127"/>
+                <a:cs typeface="Tahoma" pitchFamily="34" charset="0"/>
+              </a:rPr>
+              <a:t>목표</a:t>
+            </a:r>
+            <a:endParaRPr lang="en-US" altLang="ko-KR" sz="2500" spc="-300" dirty="0">
+              <a:ln>
+                <a:solidFill>
+                  <a:schemeClr val="accent1">
+                    <a:alpha val="0"/>
+                  </a:schemeClr>
+                </a:solidFill>
+              </a:ln>
+              <a:solidFill>
+                <a:srgbClr val="CC6600"/>
+              </a:solidFill>
+              <a:latin typeface="HY견고딕" pitchFamily="18" charset="-127"/>
+              <a:ea typeface="HY견고딕" pitchFamily="18" charset="-127"/>
+              <a:cs typeface="Tahoma" pitchFamily="34" charset="0"/>
+            </a:endParaRPr>
+          </a:p>
+        </p:txBody>
+      </p:sp>
+    </p:spTree>
+    <p:extLst>
+      <p:ext uri="{BB962C8B-B14F-4D97-AF65-F5344CB8AC3E}">
+        <p14:creationId xmlns:p14="http://schemas.microsoft.com/office/powerpoint/2010/main" val="2868176658"/>
+      </p:ext>
+    </p:extLst>
+  </p:cSld>
+  <p:clrMapOvr>
+    <a:masterClrMapping/>
+  </p:clrMapOvr>
+  <p:timing>
+    <p:tnLst>
+      <p:par>
+        <p:cTn id="1" dur="indefinite" restart="never" nodeType="tmRoot"/>
+      </p:par>
+    </p:tnLst>
+  </p:timing>
+</p:sld>
+</file>
+
+<file path=ppt/slides/slide5.xml><?xml version="1.0" encoding="utf-8"?>
+<p:sld xmlns:a="http://schemas.openxmlformats.org/drawingml/2006/main" xmlns:r="http://schemas.openxmlformats.org/officeDocument/2006/relationships" xmlns:p="http://schemas.openxmlformats.org/presentationml/2006/main">
+  <p:cSld>
+    <p:spTree>
+      <p:nvGrpSpPr>
+        <p:cNvPr id="1" name=""/>
+        <p:cNvGrpSpPr/>
+        <p:nvPr/>
+      </p:nvGrpSpPr>
+      <p:grpSpPr>
+        <a:xfrm>
+          <a:off x="0" y="0"/>
+          <a:ext cx="0" cy="0"/>
+          <a:chOff x="0" y="0"/>
+          <a:chExt cx="0" cy="0"/>
+        </a:xfrm>
+      </p:grpSpPr>
+      <p:sp>
+        <p:nvSpPr>
+          <p:cNvPr id="4" name="TextBox 3"/>
+          <p:cNvSpPr txBox="1"/>
+          <p:nvPr/>
+        </p:nvSpPr>
+        <p:spPr bwMode="white">
+          <a:xfrm>
+            <a:off x="347408" y="205770"/>
+            <a:ext cx="4800656" cy="646331"/>
+          </a:xfrm>
+          <a:prstGeom prst="rect">
+            <a:avLst/>
+          </a:prstGeom>
+          <a:noFill/>
+        </p:spPr>
+        <p:txBody>
+          <a:bodyPr wrap="square" rtlCol="0">
+            <a:spAutoFit/>
+          </a:bodyPr>
+          <a:lstStyle/>
+          <a:p>
+            <a:r>
+              <a:rPr lang="en-US" altLang="ko-KR" sz="3600" spc="-300" dirty="0">
+                <a:ln>
+                  <a:solidFill>
+                    <a:schemeClr val="accent1">
+                      <a:alpha val="0"/>
+                    </a:schemeClr>
+                  </a:solidFill>
+                </a:ln>
+                <a:solidFill>
+                  <a:srgbClr val="832F2F"/>
+                </a:solidFill>
+                <a:latin typeface="HY견고딕" pitchFamily="18" charset="-127"/>
+                <a:ea typeface="HY견고딕" pitchFamily="18" charset="-127"/>
+                <a:cs typeface="Tahoma" pitchFamily="34" charset="0"/>
+              </a:rPr>
+              <a:t>basketball match app</a:t>
+            </a:r>
+            <a:endParaRPr lang="ko-KR" altLang="en-US" sz="3500" spc="-150" dirty="0">
+              <a:ln>
+                <a:solidFill>
+                  <a:schemeClr val="accent1">
+                    <a:alpha val="0"/>
+                  </a:schemeClr>
+                </a:solidFill>
+              </a:ln>
+              <a:solidFill>
+                <a:srgbClr val="832F2F"/>
+              </a:solidFill>
+              <a:latin typeface="HY견고딕" pitchFamily="18" charset="-127"/>
+              <a:ea typeface="HY견고딕" pitchFamily="18" charset="-127"/>
+              <a:cs typeface="Tahoma" pitchFamily="34" charset="0"/>
+            </a:endParaRPr>
+          </a:p>
+        </p:txBody>
+      </p:sp>
+      <p:sp>
+        <p:nvSpPr>
+          <p:cNvPr id="2" name="모서리가 둥근 직사각형 1"/>
+          <p:cNvSpPr/>
+          <p:nvPr/>
+        </p:nvSpPr>
+        <p:spPr>
+          <a:xfrm>
+            <a:off x="3360088" y="1759744"/>
+            <a:ext cx="1584176" cy="720080"/>
+          </a:xfrm>
+          <a:prstGeom prst="roundRect">
+            <a:avLst/>
+          </a:prstGeom>
+        </p:spPr>
+        <p:style>
+          <a:lnRef idx="2">
+            <a:schemeClr val="accent1">
+              <a:shade val="50000"/>
+            </a:schemeClr>
+          </a:lnRef>
+          <a:fillRef idx="1">
+            <a:schemeClr val="accent1"/>
+          </a:fillRef>
+          <a:effectRef idx="0">
+            <a:schemeClr val="accent1"/>
+          </a:effectRef>
+          <a:fontRef idx="minor">
+            <a:schemeClr val="lt1"/>
+          </a:fontRef>
+        </p:style>
+        <p:txBody>
+          <a:bodyPr rtlCol="0" anchor="ctr"/>
+          <a:lstStyle/>
+          <a:p>
+            <a:pPr algn="ctr"/>
+            <a:r>
+              <a:rPr lang="en-US" altLang="ko-KR" dirty="0" smtClean="0"/>
+              <a:t>Intro Activity</a:t>
+            </a:r>
+            <a:endParaRPr lang="ko-KR" altLang="en-US" dirty="0"/>
+          </a:p>
+        </p:txBody>
+      </p:sp>
+      <p:sp>
+        <p:nvSpPr>
+          <p:cNvPr id="3" name="모서리가 둥근 직사각형 2"/>
+          <p:cNvSpPr/>
+          <p:nvPr/>
+        </p:nvSpPr>
+        <p:spPr>
+          <a:xfrm>
+            <a:off x="3360088" y="2870820"/>
+            <a:ext cx="1574904" cy="720080"/>
+          </a:xfrm>
+          <a:prstGeom prst="roundRect">
+            <a:avLst/>
+          </a:prstGeom>
+        </p:spPr>
+        <p:style>
+          <a:lnRef idx="2">
+            <a:schemeClr val="accent1">
+              <a:shade val="50000"/>
+            </a:schemeClr>
+          </a:lnRef>
+          <a:fillRef idx="1">
+            <a:schemeClr val="accent1"/>
+          </a:fillRef>
+          <a:effectRef idx="0">
+            <a:schemeClr val="accent1"/>
+          </a:effectRef>
+          <a:fontRef idx="minor">
+            <a:schemeClr val="lt1"/>
+          </a:fontRef>
+        </p:style>
+        <p:txBody>
+          <a:bodyPr rtlCol="0" anchor="ctr"/>
+          <a:lstStyle/>
+          <a:p>
+            <a:pPr algn="ctr"/>
+            <a:r>
+              <a:rPr lang="en-US" altLang="ko-KR" dirty="0" smtClean="0"/>
+              <a:t>Login Activity</a:t>
+            </a:r>
+            <a:endParaRPr lang="ko-KR" altLang="en-US" dirty="0"/>
+          </a:p>
+        </p:txBody>
+      </p:sp>
+      <p:sp>
+        <p:nvSpPr>
+          <p:cNvPr id="7" name="모서리가 둥근 직사각형 6"/>
+          <p:cNvSpPr/>
+          <p:nvPr/>
+        </p:nvSpPr>
+        <p:spPr>
+          <a:xfrm>
+            <a:off x="3209089" y="4026642"/>
+            <a:ext cx="1872208" cy="720080"/>
+          </a:xfrm>
+          <a:prstGeom prst="roundRect">
+            <a:avLst/>
+          </a:prstGeom>
+        </p:spPr>
+        <p:style>
+          <a:lnRef idx="2">
+            <a:schemeClr val="accent1">
+              <a:shade val="50000"/>
+            </a:schemeClr>
+          </a:lnRef>
+          <a:fillRef idx="1">
+            <a:schemeClr val="accent1"/>
+          </a:fillRef>
+          <a:effectRef idx="0">
+            <a:schemeClr val="accent1"/>
+          </a:effectRef>
+          <a:fontRef idx="minor">
+            <a:schemeClr val="lt1"/>
+          </a:fontRef>
+        </p:style>
+        <p:txBody>
+          <a:bodyPr rtlCol="0" anchor="ctr"/>
+          <a:lstStyle/>
+          <a:p>
+            <a:pPr algn="ctr"/>
+            <a:r>
+              <a:rPr lang="en-US" altLang="ko-KR" dirty="0" err="1" smtClean="0"/>
+              <a:t>Tabview</a:t>
+            </a:r>
+            <a:r>
+              <a:rPr lang="en-US" altLang="ko-KR" dirty="0" smtClean="0"/>
+              <a:t> Activity</a:t>
+            </a:r>
+            <a:endParaRPr lang="ko-KR" altLang="en-US" dirty="0"/>
+          </a:p>
+        </p:txBody>
+      </p:sp>
+      <p:sp>
+        <p:nvSpPr>
+          <p:cNvPr id="8" name="모서리가 둥근 직사각형 7"/>
+          <p:cNvSpPr/>
+          <p:nvPr/>
+        </p:nvSpPr>
+        <p:spPr>
+          <a:xfrm>
+            <a:off x="196568" y="5457414"/>
+            <a:ext cx="1728192" cy="720080"/>
+          </a:xfrm>
+          <a:prstGeom prst="roundRect">
+            <a:avLst/>
+          </a:prstGeom>
+        </p:spPr>
+        <p:style>
+          <a:lnRef idx="2">
+            <a:schemeClr val="accent1">
+              <a:shade val="50000"/>
+            </a:schemeClr>
+          </a:lnRef>
+          <a:fillRef idx="1">
+            <a:schemeClr val="accent1"/>
+          </a:fillRef>
+          <a:effectRef idx="0">
+            <a:schemeClr val="accent1"/>
+          </a:effectRef>
+          <a:fontRef idx="minor">
+            <a:schemeClr val="lt1"/>
+          </a:fontRef>
+        </p:style>
+        <p:txBody>
+          <a:bodyPr rtlCol="0" anchor="ctr"/>
+          <a:lstStyle/>
+          <a:p>
+            <a:pPr algn="ctr"/>
+            <a:r>
+              <a:rPr lang="en-US" altLang="ko-KR" dirty="0" smtClean="0"/>
+              <a:t>Tab1 Activity</a:t>
+            </a:r>
+            <a:endParaRPr lang="ko-KR" altLang="en-US" dirty="0"/>
+          </a:p>
+        </p:txBody>
+      </p:sp>
+      <p:sp>
+        <p:nvSpPr>
+          <p:cNvPr id="9" name="모서리가 둥근 직사각형 8"/>
+          <p:cNvSpPr/>
+          <p:nvPr/>
+        </p:nvSpPr>
+        <p:spPr>
+          <a:xfrm>
+            <a:off x="2307503" y="5457414"/>
+            <a:ext cx="1728192" cy="720080"/>
+          </a:xfrm>
+          <a:prstGeom prst="roundRect">
+            <a:avLst/>
+          </a:prstGeom>
+        </p:spPr>
+        <p:style>
+          <a:lnRef idx="2">
+            <a:schemeClr val="accent1">
+              <a:shade val="50000"/>
+            </a:schemeClr>
+          </a:lnRef>
+          <a:fillRef idx="1">
+            <a:schemeClr val="accent1"/>
+          </a:fillRef>
+          <a:effectRef idx="0">
+            <a:schemeClr val="accent1"/>
+          </a:effectRef>
+          <a:fontRef idx="minor">
+            <a:schemeClr val="lt1"/>
+          </a:fontRef>
+        </p:style>
+        <p:txBody>
+          <a:bodyPr rtlCol="0" anchor="ctr"/>
+          <a:lstStyle/>
+          <a:p>
+            <a:pPr algn="ctr"/>
+            <a:r>
+              <a:rPr lang="en-US" altLang="ko-KR" dirty="0" smtClean="0"/>
+              <a:t>Tab2 </a:t>
+            </a:r>
+            <a:r>
+              <a:rPr lang="en-US" altLang="ko-KR" dirty="0"/>
+              <a:t>Activity</a:t>
+            </a:r>
+            <a:endParaRPr lang="ko-KR" altLang="en-US" dirty="0"/>
+          </a:p>
+        </p:txBody>
+      </p:sp>
+      <p:sp>
+        <p:nvSpPr>
+          <p:cNvPr id="10" name="모서리가 둥근 직사각형 9"/>
+          <p:cNvSpPr/>
+          <p:nvPr/>
+        </p:nvSpPr>
+        <p:spPr>
+          <a:xfrm>
+            <a:off x="4435494" y="5457414"/>
+            <a:ext cx="1728192" cy="720080"/>
+          </a:xfrm>
+          <a:prstGeom prst="roundRect">
+            <a:avLst/>
+          </a:prstGeom>
+        </p:spPr>
+        <p:style>
+          <a:lnRef idx="2">
+            <a:schemeClr val="accent1">
+              <a:shade val="50000"/>
+            </a:schemeClr>
+          </a:lnRef>
+          <a:fillRef idx="1">
+            <a:schemeClr val="accent1"/>
+          </a:fillRef>
+          <a:effectRef idx="0">
+            <a:schemeClr val="accent1"/>
+          </a:effectRef>
+          <a:fontRef idx="minor">
+            <a:schemeClr val="lt1"/>
+          </a:fontRef>
+        </p:style>
+        <p:txBody>
+          <a:bodyPr rtlCol="0" anchor="ctr"/>
+          <a:lstStyle/>
+          <a:p>
+            <a:pPr algn="ctr"/>
+            <a:r>
+              <a:rPr lang="en-US" altLang="ko-KR" dirty="0" smtClean="0"/>
+              <a:t>Tab3 </a:t>
+            </a:r>
+            <a:r>
+              <a:rPr lang="en-US" altLang="ko-KR" dirty="0"/>
+              <a:t>Activity</a:t>
+            </a:r>
+            <a:endParaRPr lang="ko-KR" altLang="en-US" dirty="0"/>
+          </a:p>
+        </p:txBody>
+      </p:sp>
+      <p:sp>
+        <p:nvSpPr>
+          <p:cNvPr id="11" name="모서리가 둥근 직사각형 10"/>
+          <p:cNvSpPr/>
+          <p:nvPr/>
+        </p:nvSpPr>
+        <p:spPr>
+          <a:xfrm>
+            <a:off x="6529689" y="5457414"/>
+            <a:ext cx="1728192" cy="720080"/>
+          </a:xfrm>
+          <a:prstGeom prst="roundRect">
+            <a:avLst/>
+          </a:prstGeom>
+        </p:spPr>
+        <p:style>
+          <a:lnRef idx="2">
+            <a:schemeClr val="accent1">
+              <a:shade val="50000"/>
+            </a:schemeClr>
+          </a:lnRef>
+          <a:fillRef idx="1">
+            <a:schemeClr val="accent1"/>
+          </a:fillRef>
+          <a:effectRef idx="0">
+            <a:schemeClr val="accent1"/>
+          </a:effectRef>
+          <a:fontRef idx="minor">
+            <a:schemeClr val="lt1"/>
+          </a:fontRef>
+        </p:style>
+        <p:txBody>
+          <a:bodyPr rtlCol="0" anchor="ctr"/>
+          <a:lstStyle/>
+          <a:p>
+            <a:pPr algn="ctr"/>
+            <a:r>
+              <a:rPr lang="en-US" altLang="ko-KR" dirty="0" smtClean="0"/>
+              <a:t>Tab4 </a:t>
+            </a:r>
+            <a:r>
+              <a:rPr lang="en-US" altLang="ko-KR" dirty="0"/>
+              <a:t>Activity</a:t>
+            </a:r>
+            <a:endParaRPr lang="ko-KR" altLang="en-US" dirty="0"/>
+          </a:p>
+        </p:txBody>
+      </p:sp>
+      <p:sp>
+        <p:nvSpPr>
+          <p:cNvPr id="12" name="모서리가 둥근 직사각형 11"/>
+          <p:cNvSpPr/>
+          <p:nvPr/>
+        </p:nvSpPr>
+        <p:spPr>
+          <a:xfrm>
+            <a:off x="6393128" y="3255119"/>
+            <a:ext cx="1728192" cy="720080"/>
+          </a:xfrm>
+          <a:prstGeom prst="roundRect">
+            <a:avLst/>
+          </a:prstGeom>
+        </p:spPr>
+        <p:style>
+          <a:lnRef idx="2">
+            <a:schemeClr val="accent1">
+              <a:shade val="50000"/>
+            </a:schemeClr>
+          </a:lnRef>
+          <a:fillRef idx="1">
+            <a:schemeClr val="accent1"/>
+          </a:fillRef>
+          <a:effectRef idx="0">
+            <a:schemeClr val="accent1"/>
+          </a:effectRef>
+          <a:fontRef idx="minor">
+            <a:schemeClr val="lt1"/>
+          </a:fontRef>
+        </p:style>
+        <p:txBody>
+          <a:bodyPr rtlCol="0" anchor="ctr"/>
+          <a:lstStyle/>
+          <a:p>
+            <a:pPr algn="ctr"/>
+            <a:r>
+              <a:rPr lang="en-US" altLang="ko-KR" dirty="0" err="1" smtClean="0"/>
+              <a:t>regActivity</a:t>
+            </a:r>
+            <a:endParaRPr lang="ko-KR" altLang="en-US" dirty="0"/>
+          </a:p>
+        </p:txBody>
+      </p:sp>
+      <p:sp>
+        <p:nvSpPr>
+          <p:cNvPr id="25" name="오른쪽 화살표 24"/>
+          <p:cNvSpPr/>
+          <p:nvPr/>
+        </p:nvSpPr>
+        <p:spPr>
+          <a:xfrm rot="5400000">
+            <a:off x="3982626" y="2475160"/>
+            <a:ext cx="329828" cy="397187"/>
+          </a:xfrm>
+          <a:prstGeom prst="rightArrow">
+            <a:avLst/>
+          </a:prstGeom>
+        </p:spPr>
+        <p:style>
+          <a:lnRef idx="2">
+            <a:schemeClr val="accent1">
+              <a:shade val="50000"/>
+            </a:schemeClr>
+          </a:lnRef>
+          <a:fillRef idx="1">
+            <a:schemeClr val="accent1"/>
+          </a:fillRef>
+          <a:effectRef idx="0">
+            <a:schemeClr val="accent1"/>
+          </a:effectRef>
+          <a:fontRef idx="minor">
+            <a:schemeClr val="lt1"/>
+          </a:fontRef>
+        </p:style>
+        <p:txBody>
+          <a:bodyPr rtlCol="0" anchor="ctr"/>
+          <a:lstStyle/>
+          <a:p>
+            <a:pPr algn="ctr"/>
+            <a:endParaRPr lang="ko-KR" altLang="en-US"/>
+          </a:p>
+        </p:txBody>
+      </p:sp>
+      <p:sp>
+        <p:nvSpPr>
+          <p:cNvPr id="26" name="오른쪽 화살표 25"/>
+          <p:cNvSpPr/>
+          <p:nvPr/>
+        </p:nvSpPr>
+        <p:spPr>
+          <a:xfrm>
+            <a:off x="5148064" y="3230860"/>
+            <a:ext cx="1031992" cy="241615"/>
+          </a:xfrm>
+          <a:prstGeom prst="rightArrow">
+            <a:avLst/>
+          </a:prstGeom>
+        </p:spPr>
+        <p:style>
+          <a:lnRef idx="2">
+            <a:schemeClr val="accent1">
+              <a:shade val="50000"/>
+            </a:schemeClr>
+          </a:lnRef>
+          <a:fillRef idx="1">
+            <a:schemeClr val="accent1"/>
+          </a:fillRef>
+          <a:effectRef idx="0">
+            <a:schemeClr val="accent1"/>
+          </a:effectRef>
+          <a:fontRef idx="minor">
+            <a:schemeClr val="lt1"/>
+          </a:fontRef>
+        </p:style>
+        <p:txBody>
+          <a:bodyPr rtlCol="0" anchor="ctr"/>
+          <a:lstStyle/>
+          <a:p>
+            <a:pPr algn="ctr"/>
+            <a:endParaRPr lang="ko-KR" altLang="en-US"/>
+          </a:p>
+        </p:txBody>
+      </p:sp>
+      <p:sp>
+        <p:nvSpPr>
+          <p:cNvPr id="27" name="오른쪽 화살표 26"/>
+          <p:cNvSpPr/>
+          <p:nvPr/>
+        </p:nvSpPr>
+        <p:spPr>
+          <a:xfrm rot="9863608">
+            <a:off x="5315960" y="4016099"/>
+            <a:ext cx="995888" cy="258167"/>
+          </a:xfrm>
+          <a:prstGeom prst="rightArrow">
+            <a:avLst/>
+          </a:prstGeom>
+        </p:spPr>
+        <p:style>
+          <a:lnRef idx="2">
+            <a:schemeClr val="accent1">
+              <a:shade val="50000"/>
+            </a:schemeClr>
+          </a:lnRef>
+          <a:fillRef idx="1">
+            <a:schemeClr val="accent1"/>
+          </a:fillRef>
+          <a:effectRef idx="0">
+            <a:schemeClr val="accent1"/>
+          </a:effectRef>
+          <a:fontRef idx="minor">
+            <a:schemeClr val="lt1"/>
+          </a:fontRef>
+        </p:style>
+        <p:txBody>
+          <a:bodyPr rtlCol="0" anchor="ctr"/>
+          <a:lstStyle/>
+          <a:p>
+            <a:pPr algn="ctr"/>
+            <a:endParaRPr lang="ko-KR" altLang="en-US"/>
+          </a:p>
+        </p:txBody>
+      </p:sp>
+      <p:sp>
+        <p:nvSpPr>
+          <p:cNvPr id="29" name="오른쪽 화살표 28"/>
+          <p:cNvSpPr/>
+          <p:nvPr/>
+        </p:nvSpPr>
+        <p:spPr>
+          <a:xfrm rot="5400000">
+            <a:off x="3980278" y="3611692"/>
+            <a:ext cx="329828" cy="397187"/>
+          </a:xfrm>
+          <a:prstGeom prst="rightArrow">
+            <a:avLst/>
+          </a:prstGeom>
+        </p:spPr>
+        <p:style>
+          <a:lnRef idx="2">
+            <a:schemeClr val="accent1">
+              <a:shade val="50000"/>
+            </a:schemeClr>
+          </a:lnRef>
+          <a:fillRef idx="1">
+            <a:schemeClr val="accent1"/>
+          </a:fillRef>
+          <a:effectRef idx="0">
+            <a:schemeClr val="accent1"/>
+          </a:effectRef>
+          <a:fontRef idx="minor">
+            <a:schemeClr val="lt1"/>
+          </a:fontRef>
+        </p:style>
+        <p:txBody>
+          <a:bodyPr rtlCol="0" anchor="ctr"/>
+          <a:lstStyle/>
+          <a:p>
+            <a:pPr algn="ctr"/>
+            <a:endParaRPr lang="ko-KR" altLang="en-US"/>
+          </a:p>
+        </p:txBody>
+      </p:sp>
+      <p:sp>
+        <p:nvSpPr>
+          <p:cNvPr id="33" name="왼쪽/오른쪽 화살표 32"/>
+          <p:cNvSpPr/>
+          <p:nvPr/>
+        </p:nvSpPr>
+        <p:spPr>
+          <a:xfrm rot="20368738">
+            <a:off x="1547665" y="4746722"/>
+            <a:ext cx="1512168" cy="266454"/>
+          </a:xfrm>
+          <a:prstGeom prst="leftRightArrow">
+            <a:avLst/>
+          </a:prstGeom>
+        </p:spPr>
+        <p:style>
+          <a:lnRef idx="2">
+            <a:schemeClr val="accent1">
+              <a:shade val="50000"/>
+            </a:schemeClr>
+          </a:lnRef>
+          <a:fillRef idx="1">
+            <a:schemeClr val="accent1"/>
+          </a:fillRef>
+          <a:effectRef idx="0">
+            <a:schemeClr val="accent1"/>
+          </a:effectRef>
+          <a:fontRef idx="minor">
+            <a:schemeClr val="lt1"/>
+          </a:fontRef>
+        </p:style>
+        <p:txBody>
+          <a:bodyPr rtlCol="0" anchor="ctr"/>
+          <a:lstStyle/>
+          <a:p>
+            <a:pPr algn="ctr"/>
+            <a:endParaRPr lang="ko-KR" altLang="en-US"/>
+          </a:p>
+        </p:txBody>
+      </p:sp>
+      <p:sp>
+        <p:nvSpPr>
+          <p:cNvPr id="34" name="왼쪽/오른쪽 화살표 33"/>
+          <p:cNvSpPr/>
+          <p:nvPr/>
+        </p:nvSpPr>
+        <p:spPr>
+          <a:xfrm rot="1240050">
+            <a:off x="5258999" y="4821463"/>
+            <a:ext cx="1512168" cy="266454"/>
+          </a:xfrm>
+          <a:prstGeom prst="leftRightArrow">
+            <a:avLst/>
+          </a:prstGeom>
+        </p:spPr>
+        <p:style>
+          <a:lnRef idx="2">
+            <a:schemeClr val="accent1">
+              <a:shade val="50000"/>
+            </a:schemeClr>
+          </a:lnRef>
+          <a:fillRef idx="1">
+            <a:schemeClr val="accent1"/>
+          </a:fillRef>
+          <a:effectRef idx="0">
+            <a:schemeClr val="accent1"/>
+          </a:effectRef>
+          <a:fontRef idx="minor">
+            <a:schemeClr val="lt1"/>
+          </a:fontRef>
+        </p:style>
+        <p:txBody>
+          <a:bodyPr rtlCol="0" anchor="ctr"/>
+          <a:lstStyle/>
+          <a:p>
+            <a:pPr algn="ctr"/>
+            <a:endParaRPr lang="ko-KR" altLang="en-US"/>
+          </a:p>
+        </p:txBody>
+      </p:sp>
+      <p:sp>
+        <p:nvSpPr>
+          <p:cNvPr id="35" name="왼쪽/오른쪽 화살표 34"/>
+          <p:cNvSpPr/>
+          <p:nvPr/>
+        </p:nvSpPr>
+        <p:spPr>
+          <a:xfrm rot="16631414">
+            <a:off x="3278188" y="4931017"/>
+            <a:ext cx="549410" cy="319355"/>
+          </a:xfrm>
+          <a:prstGeom prst="leftRightArrow">
+            <a:avLst/>
+          </a:prstGeom>
+        </p:spPr>
+        <p:style>
+          <a:lnRef idx="2">
+            <a:schemeClr val="accent1">
+              <a:shade val="50000"/>
+            </a:schemeClr>
+          </a:lnRef>
+          <a:fillRef idx="1">
+            <a:schemeClr val="accent1"/>
+          </a:fillRef>
+          <a:effectRef idx="0">
+            <a:schemeClr val="accent1"/>
+          </a:effectRef>
+          <a:fontRef idx="minor">
+            <a:schemeClr val="lt1"/>
+          </a:fontRef>
+        </p:style>
+        <p:txBody>
+          <a:bodyPr rtlCol="0" anchor="ctr"/>
+          <a:lstStyle/>
+          <a:p>
+            <a:pPr algn="ctr"/>
+            <a:endParaRPr lang="ko-KR" altLang="en-US"/>
+          </a:p>
+        </p:txBody>
+      </p:sp>
+      <p:sp>
+        <p:nvSpPr>
+          <p:cNvPr id="36" name="왼쪽/오른쪽 화살표 35"/>
+          <p:cNvSpPr/>
+          <p:nvPr/>
+        </p:nvSpPr>
+        <p:spPr>
+          <a:xfrm rot="15440551">
+            <a:off x="4491593" y="4927132"/>
+            <a:ext cx="549410" cy="319355"/>
+          </a:xfrm>
+          <a:prstGeom prst="leftRightArrow">
+            <a:avLst/>
+          </a:prstGeom>
+        </p:spPr>
+        <p:style>
+          <a:lnRef idx="2">
+            <a:schemeClr val="accent1">
+              <a:shade val="50000"/>
+            </a:schemeClr>
+          </a:lnRef>
+          <a:fillRef idx="1">
+            <a:schemeClr val="accent1"/>
+          </a:fillRef>
+          <a:effectRef idx="0">
+            <a:schemeClr val="accent1"/>
+          </a:effectRef>
+          <a:fontRef idx="minor">
+            <a:schemeClr val="lt1"/>
+          </a:fontRef>
+        </p:style>
+        <p:txBody>
+          <a:bodyPr rtlCol="0" anchor="ctr"/>
+          <a:lstStyle/>
+          <a:p>
+            <a:pPr algn="ctr"/>
+            <a:endParaRPr lang="ko-KR" altLang="en-US"/>
+          </a:p>
+        </p:txBody>
+      </p:sp>
+    </p:spTree>
+    <p:extLst>
+      <p:ext uri="{BB962C8B-B14F-4D97-AF65-F5344CB8AC3E}">
+        <p14:creationId xmlns:p14="http://schemas.microsoft.com/office/powerpoint/2010/main" val="4278547201"/>
+      </p:ext>
+    </p:extLst>
+  </p:cSld>
+  <p:clrMapOvr>
+    <a:masterClrMapping/>
+  </p:clrMapOvr>
+  <p:timing>
+    <p:tnLst>
+      <p:par>
+        <p:cTn id="1" dur="indefinite" restart="never" nodeType="tmRoot"/>
+      </p:par>
+    </p:tnLst>
+  </p:timing>
+</p:sld>
+</file>
+
+<file path=ppt/slides/slide6.xml><?xml version="1.0" encoding="utf-8"?>
 <p:sld xmlns:a="http://schemas.openxmlformats.org/drawingml/2006/main" xmlns:r="http://schemas.openxmlformats.org/officeDocument/2006/relationships" xmlns:p="http://schemas.openxmlformats.org/presentationml/2006/main">
   <p:cSld>
     <p:spTree>
@@ -2835,7 +5112,7 @@
 </p:sld>
 </file>
 
-<file path=ppt/slides/slide4.xml><?xml version="1.0" encoding="utf-8"?>
+<file path=ppt/slides/slide7.xml><?xml version="1.0" encoding="utf-8"?>
 <p:sld xmlns:a="http://schemas.openxmlformats.org/drawingml/2006/main" xmlns:r="http://schemas.openxmlformats.org/officeDocument/2006/relationships" xmlns:p="http://schemas.openxmlformats.org/presentationml/2006/main">
   <p:cSld>
     <p:spTree>
@@ -3053,7 +5330,7 @@
 </p:sld>
 </file>
 
-<file path=ppt/slides/slide5.xml><?xml version="1.0" encoding="utf-8"?>
+<file path=ppt/slides/slide8.xml><?xml version="1.0" encoding="utf-8"?>
 <p:sld xmlns:a="http://schemas.openxmlformats.org/drawingml/2006/main" xmlns:r="http://schemas.openxmlformats.org/officeDocument/2006/relationships" xmlns:p="http://schemas.openxmlformats.org/presentationml/2006/main">
   <p:cSld>
     <p:spTree>
@@ -3247,7 +5524,7 @@
 </p:sld>
 </file>
 
-<file path=ppt/slides/slide6.xml><?xml version="1.0" encoding="utf-8"?>
+<file path=ppt/slides/slide9.xml><?xml version="1.0" encoding="utf-8"?>
 <p:sld xmlns:a="http://schemas.openxmlformats.org/drawingml/2006/main" xmlns:r="http://schemas.openxmlformats.org/officeDocument/2006/relationships" xmlns:p="http://schemas.openxmlformats.org/presentationml/2006/main">
   <p:cSld>
     <p:spTree>
@@ -3449,688 +5726,6 @@
     <p:extLst>
       <p:ext uri="{BB962C8B-B14F-4D97-AF65-F5344CB8AC3E}">
         <p14:creationId xmlns:p14="http://schemas.microsoft.com/office/powerpoint/2010/main" val="766733635"/>
-      </p:ext>
-    </p:extLst>
-  </p:cSld>
-  <p:clrMapOvr>
-    <a:masterClrMapping/>
-  </p:clrMapOvr>
-  <p:timing>
-    <p:tnLst>
-      <p:par>
-        <p:cTn id="1" dur="indefinite" restart="never" nodeType="tmRoot"/>
-      </p:par>
-    </p:tnLst>
-  </p:timing>
-</p:sld>
-</file>
-
-<file path=ppt/slides/slide7.xml><?xml version="1.0" encoding="utf-8"?>
-<p:sld xmlns:a="http://schemas.openxmlformats.org/drawingml/2006/main" xmlns:r="http://schemas.openxmlformats.org/officeDocument/2006/relationships" xmlns:p="http://schemas.openxmlformats.org/presentationml/2006/main">
-  <p:cSld>
-    <p:spTree>
-      <p:nvGrpSpPr>
-        <p:cNvPr id="1" name=""/>
-        <p:cNvGrpSpPr/>
-        <p:nvPr/>
-      </p:nvGrpSpPr>
-      <p:grpSpPr>
-        <a:xfrm>
-          <a:off x="0" y="0"/>
-          <a:ext cx="0" cy="0"/>
-          <a:chOff x="0" y="0"/>
-          <a:chExt cx="0" cy="0"/>
-        </a:xfrm>
-      </p:grpSpPr>
-      <p:sp>
-        <p:nvSpPr>
-          <p:cNvPr id="4" name="TextBox 3"/>
-          <p:cNvSpPr txBox="1"/>
-          <p:nvPr/>
-        </p:nvSpPr>
-        <p:spPr bwMode="white">
-          <a:xfrm>
-            <a:off x="347408" y="205770"/>
-            <a:ext cx="4800656" cy="646331"/>
-          </a:xfrm>
-          <a:prstGeom prst="rect">
-            <a:avLst/>
-          </a:prstGeom>
-          <a:noFill/>
-        </p:spPr>
-        <p:txBody>
-          <a:bodyPr wrap="square" rtlCol="0">
-            <a:spAutoFit/>
-          </a:bodyPr>
-          <a:lstStyle/>
-          <a:p>
-            <a:r>
-              <a:rPr lang="en-US" altLang="ko-KR" sz="3600" spc="-300" dirty="0">
-                <a:ln>
-                  <a:solidFill>
-                    <a:schemeClr val="accent1">
-                      <a:alpha val="0"/>
-                    </a:schemeClr>
-                  </a:solidFill>
-                </a:ln>
-                <a:solidFill>
-                  <a:srgbClr val="832F2F"/>
-                </a:solidFill>
-                <a:latin typeface="HY견고딕" pitchFamily="18" charset="-127"/>
-                <a:ea typeface="HY견고딕" pitchFamily="18" charset="-127"/>
-                <a:cs typeface="Tahoma" pitchFamily="34" charset="0"/>
-              </a:rPr>
-              <a:t>basketball match app</a:t>
-            </a:r>
-            <a:endParaRPr lang="ko-KR" altLang="en-US" sz="3500" spc="-150" dirty="0">
-              <a:ln>
-                <a:solidFill>
-                  <a:schemeClr val="accent1">
-                    <a:alpha val="0"/>
-                  </a:schemeClr>
-                </a:solidFill>
-              </a:ln>
-              <a:solidFill>
-                <a:srgbClr val="832F2F"/>
-              </a:solidFill>
-              <a:latin typeface="HY견고딕" pitchFamily="18" charset="-127"/>
-              <a:ea typeface="HY견고딕" pitchFamily="18" charset="-127"/>
-              <a:cs typeface="Tahoma" pitchFamily="34" charset="0"/>
-            </a:endParaRPr>
-          </a:p>
-        </p:txBody>
-      </p:sp>
-      <p:sp>
-        <p:nvSpPr>
-          <p:cNvPr id="6" name="TextBox 5"/>
-          <p:cNvSpPr txBox="1"/>
-          <p:nvPr/>
-        </p:nvSpPr>
-        <p:spPr>
-          <a:xfrm>
-            <a:off x="755576" y="2060848"/>
-            <a:ext cx="7462785" cy="1631216"/>
-          </a:xfrm>
-          <a:prstGeom prst="rect">
-            <a:avLst/>
-          </a:prstGeom>
-          <a:noFill/>
-        </p:spPr>
-        <p:txBody>
-          <a:bodyPr wrap="square" rtlCol="0">
-            <a:spAutoFit/>
-          </a:bodyPr>
-          <a:lstStyle/>
-          <a:p>
-            <a:pPr marL="457200" indent="-457200">
-              <a:buFont typeface="Arial" panose="020B0604020202020204" pitchFamily="34" charset="0"/>
-              <a:buChar char="•"/>
-            </a:pPr>
-            <a:r>
-              <a:rPr lang="ko-KR" altLang="en-US" sz="2000" spc="-150" dirty="0" smtClean="0">
-                <a:ln>
-                  <a:solidFill>
-                    <a:schemeClr val="accent1">
-                      <a:alpha val="0"/>
-                    </a:schemeClr>
-                  </a:solidFill>
-                </a:ln>
-                <a:solidFill>
-                  <a:srgbClr val="996633"/>
-                </a:solidFill>
-                <a:latin typeface="HY견고딕" pitchFamily="18" charset="-127"/>
-                <a:ea typeface="HY견고딕" pitchFamily="18" charset="-127"/>
-                <a:cs typeface="Tahoma" pitchFamily="34" charset="0"/>
-              </a:rPr>
-              <a:t>자동 </a:t>
-            </a:r>
-            <a:r>
-              <a:rPr lang="ko-KR" altLang="en-US" sz="2000" spc="-150" err="1" smtClean="0">
-                <a:ln>
-                  <a:solidFill>
-                    <a:schemeClr val="accent1">
-                      <a:alpha val="0"/>
-                    </a:schemeClr>
-                  </a:solidFill>
-                </a:ln>
-                <a:solidFill>
-                  <a:srgbClr val="996633"/>
-                </a:solidFill>
-                <a:latin typeface="HY견고딕" pitchFamily="18" charset="-127"/>
-                <a:ea typeface="HY견고딕" pitchFamily="18" charset="-127"/>
-                <a:cs typeface="Tahoma" pitchFamily="34" charset="0"/>
-              </a:rPr>
-              <a:t>로그인기능</a:t>
-            </a:r>
-            <a:r>
-              <a:rPr lang="ko-KR" altLang="en-US" sz="2000" spc="-150" smtClean="0">
-                <a:ln>
-                  <a:solidFill>
-                    <a:schemeClr val="accent1">
-                      <a:alpha val="0"/>
-                    </a:schemeClr>
-                  </a:solidFill>
-                </a:ln>
-                <a:solidFill>
-                  <a:srgbClr val="996633"/>
-                </a:solidFill>
-                <a:latin typeface="HY견고딕" pitchFamily="18" charset="-127"/>
-                <a:ea typeface="HY견고딕" pitchFamily="18" charset="-127"/>
-                <a:cs typeface="Tahoma" pitchFamily="34" charset="0"/>
-              </a:rPr>
-              <a:t> 구현</a:t>
-            </a:r>
-            <a:endParaRPr lang="en-US" altLang="ko-KR" sz="2000" spc="-150" smtClean="0">
-              <a:ln>
-                <a:solidFill>
-                  <a:schemeClr val="accent1">
-                    <a:alpha val="0"/>
-                  </a:schemeClr>
-                </a:solidFill>
-              </a:ln>
-              <a:solidFill>
-                <a:srgbClr val="996633"/>
-              </a:solidFill>
-              <a:latin typeface="HY견고딕" pitchFamily="18" charset="-127"/>
-              <a:ea typeface="HY견고딕" pitchFamily="18" charset="-127"/>
-              <a:cs typeface="Tahoma" pitchFamily="34" charset="0"/>
-            </a:endParaRPr>
-          </a:p>
-          <a:p>
-            <a:pPr marL="457200" indent="-457200">
-              <a:buFont typeface="Arial" panose="020B0604020202020204" pitchFamily="34" charset="0"/>
-              <a:buChar char="•"/>
-            </a:pPr>
-            <a:endParaRPr lang="en-US" altLang="ko-KR" sz="2000" spc="-150" dirty="0" smtClean="0">
-              <a:ln>
-                <a:solidFill>
-                  <a:schemeClr val="accent1">
-                    <a:alpha val="0"/>
-                  </a:schemeClr>
-                </a:solidFill>
-              </a:ln>
-              <a:solidFill>
-                <a:srgbClr val="996633"/>
-              </a:solidFill>
-              <a:latin typeface="HY견고딕" pitchFamily="18" charset="-127"/>
-              <a:ea typeface="HY견고딕" pitchFamily="18" charset="-127"/>
-              <a:cs typeface="Tahoma" pitchFamily="34" charset="0"/>
-            </a:endParaRPr>
-          </a:p>
-          <a:p>
-            <a:pPr marL="457200" indent="-457200">
-              <a:buFont typeface="Arial" panose="020B0604020202020204" pitchFamily="34" charset="0"/>
-              <a:buChar char="•"/>
-            </a:pPr>
-            <a:r>
-              <a:rPr lang="ko-KR" altLang="en-US" sz="2000" spc="-150" dirty="0" smtClean="0">
-                <a:ln>
-                  <a:solidFill>
-                    <a:schemeClr val="accent1">
-                      <a:alpha val="0"/>
-                    </a:schemeClr>
-                  </a:solidFill>
-                </a:ln>
-                <a:solidFill>
-                  <a:srgbClr val="996633"/>
-                </a:solidFill>
-                <a:latin typeface="HY견고딕" pitchFamily="18" charset="-127"/>
-                <a:ea typeface="HY견고딕" pitchFamily="18" charset="-127"/>
-                <a:cs typeface="Tahoma" pitchFamily="34" charset="0"/>
-              </a:rPr>
-              <a:t>등록 과 프로필에 지역검색 자동완성기능 </a:t>
-            </a:r>
-            <a:r>
-              <a:rPr lang="ko-KR" altLang="en-US" sz="2000" spc="-150" dirty="0" smtClean="0">
-                <a:ln>
-                  <a:solidFill>
-                    <a:schemeClr val="accent1">
-                      <a:alpha val="0"/>
-                    </a:schemeClr>
-                  </a:solidFill>
-                </a:ln>
-                <a:solidFill>
-                  <a:srgbClr val="996633"/>
-                </a:solidFill>
-                <a:latin typeface="HY견고딕" pitchFamily="18" charset="-127"/>
-                <a:ea typeface="HY견고딕" pitchFamily="18" charset="-127"/>
-                <a:cs typeface="Tahoma" pitchFamily="34" charset="0"/>
-              </a:rPr>
-              <a:t>개발완료</a:t>
-            </a:r>
-            <a:endParaRPr lang="en-US" altLang="ko-KR" sz="2000" spc="-150" dirty="0" smtClean="0">
-              <a:ln>
-                <a:solidFill>
-                  <a:schemeClr val="accent1">
-                    <a:alpha val="0"/>
-                  </a:schemeClr>
-                </a:solidFill>
-              </a:ln>
-              <a:solidFill>
-                <a:srgbClr val="996633"/>
-              </a:solidFill>
-              <a:latin typeface="HY견고딕" pitchFamily="18" charset="-127"/>
-              <a:ea typeface="HY견고딕" pitchFamily="18" charset="-127"/>
-              <a:cs typeface="Tahoma" pitchFamily="34" charset="0"/>
-            </a:endParaRPr>
-          </a:p>
-          <a:p>
-            <a:pPr marL="457200" indent="-457200">
-              <a:buFont typeface="Arial" panose="020B0604020202020204" pitchFamily="34" charset="0"/>
-              <a:buChar char="•"/>
-            </a:pPr>
-            <a:endParaRPr lang="en-US" altLang="ko-KR" sz="2000" spc="-150" dirty="0" smtClean="0">
-              <a:ln>
-                <a:solidFill>
-                  <a:schemeClr val="accent1">
-                    <a:alpha val="0"/>
-                  </a:schemeClr>
-                </a:solidFill>
-              </a:ln>
-              <a:solidFill>
-                <a:srgbClr val="996633"/>
-              </a:solidFill>
-              <a:latin typeface="HY견고딕" pitchFamily="18" charset="-127"/>
-              <a:ea typeface="HY견고딕" pitchFamily="18" charset="-127"/>
-              <a:cs typeface="Tahoma" pitchFamily="34" charset="0"/>
-            </a:endParaRPr>
-          </a:p>
-          <a:p>
-            <a:pPr marL="457200" indent="-457200">
-              <a:buFont typeface="Arial" panose="020B0604020202020204" pitchFamily="34" charset="0"/>
-              <a:buChar char="•"/>
-            </a:pPr>
-            <a:r>
-              <a:rPr lang="ko-KR" altLang="en-US" sz="2000" spc="-150" dirty="0" smtClean="0">
-                <a:ln>
-                  <a:solidFill>
-                    <a:schemeClr val="accent1">
-                      <a:alpha val="0"/>
-                    </a:schemeClr>
-                  </a:solidFill>
-                </a:ln>
-                <a:solidFill>
-                  <a:srgbClr val="996633"/>
-                </a:solidFill>
-                <a:latin typeface="HY견고딕" pitchFamily="18" charset="-127"/>
-                <a:ea typeface="HY견고딕" pitchFamily="18" charset="-127"/>
-                <a:cs typeface="Tahoma" pitchFamily="34" charset="0"/>
-              </a:rPr>
-              <a:t>경기 </a:t>
-            </a:r>
-            <a:r>
-              <a:rPr lang="ko-KR" altLang="en-US" sz="2000" spc="-150" dirty="0" err="1" smtClean="0">
-                <a:ln>
-                  <a:solidFill>
-                    <a:schemeClr val="accent1">
-                      <a:alpha val="0"/>
-                    </a:schemeClr>
-                  </a:solidFill>
-                </a:ln>
-                <a:solidFill>
-                  <a:srgbClr val="996633"/>
-                </a:solidFill>
-                <a:latin typeface="HY견고딕" pitchFamily="18" charset="-127"/>
-                <a:ea typeface="HY견고딕" pitchFamily="18" charset="-127"/>
-                <a:cs typeface="Tahoma" pitchFamily="34" charset="0"/>
-              </a:rPr>
-              <a:t>매칭</a:t>
-            </a:r>
-            <a:r>
-              <a:rPr lang="ko-KR" altLang="en-US" sz="2000" spc="-150" dirty="0" smtClean="0">
-                <a:ln>
-                  <a:solidFill>
-                    <a:schemeClr val="accent1">
-                      <a:alpha val="0"/>
-                    </a:schemeClr>
-                  </a:solidFill>
-                </a:ln>
-                <a:solidFill>
-                  <a:srgbClr val="996633"/>
-                </a:solidFill>
-                <a:latin typeface="HY견고딕" pitchFamily="18" charset="-127"/>
-                <a:ea typeface="HY견고딕" pitchFamily="18" charset="-127"/>
-                <a:cs typeface="Tahoma" pitchFamily="34" charset="0"/>
-              </a:rPr>
-              <a:t> 탭과</a:t>
-            </a:r>
-            <a:r>
-              <a:rPr lang="en-US" altLang="ko-KR" sz="2000" spc="-150" dirty="0">
-                <a:ln>
-                  <a:solidFill>
-                    <a:schemeClr val="accent1">
-                      <a:alpha val="0"/>
-                    </a:schemeClr>
-                  </a:solidFill>
-                </a:ln>
-                <a:solidFill>
-                  <a:srgbClr val="996633"/>
-                </a:solidFill>
-                <a:latin typeface="HY견고딕" pitchFamily="18" charset="-127"/>
-                <a:ea typeface="HY견고딕" pitchFamily="18" charset="-127"/>
-                <a:cs typeface="Tahoma" pitchFamily="34" charset="0"/>
-              </a:rPr>
-              <a:t> </a:t>
-            </a:r>
-            <a:r>
-              <a:rPr lang="ko-KR" altLang="en-US" sz="2000" spc="-150" dirty="0" smtClean="0">
-                <a:ln>
-                  <a:solidFill>
-                    <a:schemeClr val="accent1">
-                      <a:alpha val="0"/>
-                    </a:schemeClr>
-                  </a:solidFill>
-                </a:ln>
-                <a:solidFill>
-                  <a:srgbClr val="996633"/>
-                </a:solidFill>
-                <a:latin typeface="HY견고딕" pitchFamily="18" charset="-127"/>
-                <a:ea typeface="HY견고딕" pitchFamily="18" charset="-127"/>
-                <a:cs typeface="Tahoma" pitchFamily="34" charset="0"/>
-              </a:rPr>
-              <a:t>팀</a:t>
-            </a:r>
-            <a:r>
-              <a:rPr lang="en-US" altLang="ko-KR" sz="2000" spc="-150" dirty="0" smtClean="0">
-                <a:ln>
-                  <a:solidFill>
-                    <a:schemeClr val="accent1">
-                      <a:alpha val="0"/>
-                    </a:schemeClr>
-                  </a:solidFill>
-                </a:ln>
-                <a:solidFill>
-                  <a:srgbClr val="996633"/>
-                </a:solidFill>
-                <a:latin typeface="HY견고딕" pitchFamily="18" charset="-127"/>
-                <a:ea typeface="HY견고딕" pitchFamily="18" charset="-127"/>
-                <a:cs typeface="Tahoma" pitchFamily="34" charset="0"/>
-              </a:rPr>
-              <a:t>/</a:t>
-            </a:r>
-            <a:r>
-              <a:rPr lang="ko-KR" altLang="en-US" sz="2000" spc="-150" dirty="0" smtClean="0">
-                <a:ln>
-                  <a:solidFill>
-                    <a:schemeClr val="accent1">
-                      <a:alpha val="0"/>
-                    </a:schemeClr>
-                  </a:solidFill>
-                </a:ln>
-                <a:solidFill>
-                  <a:srgbClr val="996633"/>
-                </a:solidFill>
-                <a:latin typeface="HY견고딕" pitchFamily="18" charset="-127"/>
-                <a:ea typeface="HY견고딕" pitchFamily="18" charset="-127"/>
-                <a:cs typeface="Tahoma" pitchFamily="34" charset="0"/>
-              </a:rPr>
-              <a:t>팀원 관리 탭</a:t>
-            </a:r>
-            <a:r>
-              <a:rPr lang="en-US" altLang="ko-KR" sz="2000" spc="-150" dirty="0" smtClean="0">
-                <a:ln>
-                  <a:solidFill>
-                    <a:schemeClr val="accent1">
-                      <a:alpha val="0"/>
-                    </a:schemeClr>
-                  </a:solidFill>
-                </a:ln>
-                <a:solidFill>
-                  <a:srgbClr val="996633"/>
-                </a:solidFill>
-                <a:latin typeface="HY견고딕" pitchFamily="18" charset="-127"/>
-                <a:ea typeface="HY견고딕" pitchFamily="18" charset="-127"/>
-                <a:cs typeface="Tahoma" pitchFamily="34" charset="0"/>
-              </a:rPr>
-              <a:t>, </a:t>
-            </a:r>
-            <a:r>
-              <a:rPr lang="ko-KR" altLang="en-US" sz="2000" spc="-150" dirty="0" smtClean="0">
-                <a:ln>
-                  <a:solidFill>
-                    <a:schemeClr val="accent1">
-                      <a:alpha val="0"/>
-                    </a:schemeClr>
-                  </a:solidFill>
-                </a:ln>
-                <a:solidFill>
-                  <a:srgbClr val="996633"/>
-                </a:solidFill>
-                <a:latin typeface="HY견고딕" pitchFamily="18" charset="-127"/>
-                <a:ea typeface="HY견고딕" pitchFamily="18" charset="-127"/>
-                <a:cs typeface="Tahoma" pitchFamily="34" charset="0"/>
-              </a:rPr>
-              <a:t>팀 관리 탭 개발</a:t>
-            </a:r>
-            <a:endParaRPr lang="en-US" altLang="ko-KR" sz="2000" spc="-150" dirty="0" smtClean="0">
-              <a:ln>
-                <a:solidFill>
-                  <a:schemeClr val="accent1">
-                    <a:alpha val="0"/>
-                  </a:schemeClr>
-                </a:solidFill>
-              </a:ln>
-              <a:solidFill>
-                <a:srgbClr val="996633"/>
-              </a:solidFill>
-              <a:latin typeface="HY견고딕" pitchFamily="18" charset="-127"/>
-              <a:ea typeface="HY견고딕" pitchFamily="18" charset="-127"/>
-              <a:cs typeface="Tahoma" pitchFamily="34" charset="0"/>
-            </a:endParaRPr>
-          </a:p>
-        </p:txBody>
-      </p:sp>
-      <p:sp>
-        <p:nvSpPr>
-          <p:cNvPr id="5" name="TextBox 24"/>
-          <p:cNvSpPr txBox="1">
-            <a:spLocks noChangeArrowheads="1"/>
-          </p:cNvSpPr>
-          <p:nvPr/>
-        </p:nvSpPr>
-        <p:spPr bwMode="auto">
-          <a:xfrm>
-            <a:off x="755576" y="1484784"/>
-            <a:ext cx="2088232" cy="477054"/>
-          </a:xfrm>
-          <a:prstGeom prst="rect">
-            <a:avLst/>
-          </a:prstGeom>
-          <a:noFill/>
-          <a:ln w="9525">
-            <a:noFill/>
-            <a:miter lim="800000"/>
-            <a:headEnd/>
-            <a:tailEnd/>
-          </a:ln>
-        </p:spPr>
-        <p:txBody>
-          <a:bodyPr wrap="square">
-            <a:spAutoFit/>
-          </a:bodyPr>
-          <a:lstStyle/>
-          <a:p>
-            <a:pPr fontAlgn="auto">
-              <a:spcBef>
-                <a:spcPts val="0"/>
-              </a:spcBef>
-              <a:spcAft>
-                <a:spcPts val="0"/>
-              </a:spcAft>
-              <a:defRPr/>
-            </a:pPr>
-            <a:r>
-              <a:rPr lang="ko-KR" altLang="en-US" sz="2500" spc="-300" dirty="0" smtClean="0">
-                <a:ln>
-                  <a:solidFill>
-                    <a:schemeClr val="accent1">
-                      <a:alpha val="0"/>
-                    </a:schemeClr>
-                  </a:solidFill>
-                </a:ln>
-                <a:solidFill>
-                  <a:srgbClr val="CC6600"/>
-                </a:solidFill>
-                <a:latin typeface="HY견고딕" pitchFamily="18" charset="-127"/>
-                <a:ea typeface="HY견고딕" pitchFamily="18" charset="-127"/>
-                <a:cs typeface="Tahoma" pitchFamily="34" charset="0"/>
-              </a:rPr>
-              <a:t>추후 계발 계획</a:t>
-            </a:r>
-            <a:endParaRPr lang="en-US" altLang="ko-KR" sz="2500" spc="-300" dirty="0">
-              <a:ln>
-                <a:solidFill>
-                  <a:schemeClr val="accent1">
-                    <a:alpha val="0"/>
-                  </a:schemeClr>
-                </a:solidFill>
-              </a:ln>
-              <a:solidFill>
-                <a:srgbClr val="CC6600"/>
-              </a:solidFill>
-              <a:latin typeface="HY견고딕" pitchFamily="18" charset="-127"/>
-              <a:ea typeface="HY견고딕" pitchFamily="18" charset="-127"/>
-              <a:cs typeface="Tahoma" pitchFamily="34" charset="0"/>
-            </a:endParaRPr>
-          </a:p>
-        </p:txBody>
-      </p:sp>
-    </p:spTree>
-    <p:extLst>
-      <p:ext uri="{BB962C8B-B14F-4D97-AF65-F5344CB8AC3E}">
-        <p14:creationId xmlns:p14="http://schemas.microsoft.com/office/powerpoint/2010/main" val="1364073111"/>
-      </p:ext>
-    </p:extLst>
-  </p:cSld>
-  <p:clrMapOvr>
-    <a:masterClrMapping/>
-  </p:clrMapOvr>
-  <p:timing>
-    <p:tnLst>
-      <p:par>
-        <p:cTn id="1" dur="indefinite" restart="never" nodeType="tmRoot"/>
-      </p:par>
-    </p:tnLst>
-  </p:timing>
-</p:sld>
-</file>
-
-<file path=ppt/slides/slide8.xml><?xml version="1.0" encoding="utf-8"?>
-<p:sld xmlns:a="http://schemas.openxmlformats.org/drawingml/2006/main" xmlns:r="http://schemas.openxmlformats.org/officeDocument/2006/relationships" xmlns:p="http://schemas.openxmlformats.org/presentationml/2006/main">
-  <p:cSld>
-    <p:spTree>
-      <p:nvGrpSpPr>
-        <p:cNvPr id="1" name=""/>
-        <p:cNvGrpSpPr/>
-        <p:nvPr/>
-      </p:nvGrpSpPr>
-      <p:grpSpPr>
-        <a:xfrm>
-          <a:off x="0" y="0"/>
-          <a:ext cx="0" cy="0"/>
-          <a:chOff x="0" y="0"/>
-          <a:chExt cx="0" cy="0"/>
-        </a:xfrm>
-      </p:grpSpPr>
-      <p:sp>
-        <p:nvSpPr>
-          <p:cNvPr id="4" name="TextBox 3"/>
-          <p:cNvSpPr txBox="1"/>
-          <p:nvPr/>
-        </p:nvSpPr>
-        <p:spPr bwMode="white">
-          <a:xfrm>
-            <a:off x="1547664" y="2924944"/>
-            <a:ext cx="5832648" cy="646331"/>
-          </a:xfrm>
-          <a:prstGeom prst="rect">
-            <a:avLst/>
-          </a:prstGeom>
-          <a:noFill/>
-        </p:spPr>
-        <p:txBody>
-          <a:bodyPr wrap="square" rtlCol="0">
-            <a:spAutoFit/>
-          </a:bodyPr>
-          <a:lstStyle/>
-          <a:p>
-            <a:pPr algn="ctr"/>
-            <a:r>
-              <a:rPr lang="ko-KR" altLang="en-US" sz="3600" spc="-300" dirty="0" smtClean="0">
-                <a:ln>
-                  <a:solidFill>
-                    <a:schemeClr val="accent1">
-                      <a:alpha val="0"/>
-                    </a:schemeClr>
-                  </a:solidFill>
-                </a:ln>
-                <a:solidFill>
-                  <a:srgbClr val="832F2F"/>
-                </a:solidFill>
-                <a:latin typeface="HY견고딕" pitchFamily="18" charset="-127"/>
-                <a:ea typeface="HY견고딕" pitchFamily="18" charset="-127"/>
-                <a:cs typeface="Tahoma" pitchFamily="34" charset="0"/>
-              </a:rPr>
-              <a:t>감 사 합 </a:t>
-            </a:r>
-            <a:r>
-              <a:rPr lang="ko-KR" altLang="en-US" sz="3600" spc="-300" dirty="0" err="1" smtClean="0">
-                <a:ln>
-                  <a:solidFill>
-                    <a:schemeClr val="accent1">
-                      <a:alpha val="0"/>
-                    </a:schemeClr>
-                  </a:solidFill>
-                </a:ln>
-                <a:solidFill>
-                  <a:srgbClr val="832F2F"/>
-                </a:solidFill>
-                <a:latin typeface="HY견고딕" pitchFamily="18" charset="-127"/>
-                <a:ea typeface="HY견고딕" pitchFamily="18" charset="-127"/>
-                <a:cs typeface="Tahoma" pitchFamily="34" charset="0"/>
-              </a:rPr>
-              <a:t>니</a:t>
-            </a:r>
-            <a:r>
-              <a:rPr lang="ko-KR" altLang="en-US" sz="3600" spc="-300" dirty="0" smtClean="0">
-                <a:ln>
-                  <a:solidFill>
-                    <a:schemeClr val="accent1">
-                      <a:alpha val="0"/>
-                    </a:schemeClr>
-                  </a:solidFill>
-                </a:ln>
-                <a:solidFill>
-                  <a:srgbClr val="832F2F"/>
-                </a:solidFill>
-                <a:latin typeface="HY견고딕" pitchFamily="18" charset="-127"/>
-                <a:ea typeface="HY견고딕" pitchFamily="18" charset="-127"/>
-                <a:cs typeface="Tahoma" pitchFamily="34" charset="0"/>
-              </a:rPr>
-              <a:t> 다</a:t>
-            </a:r>
-            <a:endParaRPr lang="ko-KR" altLang="en-US" sz="3500" spc="-150" dirty="0">
-              <a:ln>
-                <a:solidFill>
-                  <a:schemeClr val="accent1">
-                    <a:alpha val="0"/>
-                  </a:schemeClr>
-                </a:solidFill>
-              </a:ln>
-              <a:solidFill>
-                <a:srgbClr val="832F2F"/>
-              </a:solidFill>
-              <a:latin typeface="HY견고딕" pitchFamily="18" charset="-127"/>
-              <a:ea typeface="HY견고딕" pitchFamily="18" charset="-127"/>
-              <a:cs typeface="Tahoma" pitchFamily="34" charset="0"/>
-            </a:endParaRPr>
-          </a:p>
-        </p:txBody>
-      </p:sp>
-    </p:spTree>
-    <p:extLst>
-      <p:ext uri="{BB962C8B-B14F-4D97-AF65-F5344CB8AC3E}">
-        <p14:creationId xmlns:p14="http://schemas.microsoft.com/office/powerpoint/2010/main" val="1215177373"/>
       </p:ext>
     </p:extLst>
   </p:cSld>

--- a/모바일 중간보고서 20093296 배판근.pptx
+++ b/모바일 중간보고서 20093296 배판근.pptx
@@ -2595,7 +2595,7 @@
         <p:spPr>
           <a:xfrm>
             <a:off x="755576" y="2060848"/>
-            <a:ext cx="7462785" cy="2862322"/>
+            <a:ext cx="7462785" cy="3477875"/>
           </a:xfrm>
           <a:prstGeom prst="rect">
             <a:avLst/>
@@ -2798,7 +2798,7 @@
               </a:rPr>
               <a:t>를 이용한 지역검색 자동완성기능 완성</a:t>
             </a:r>
-            <a:endParaRPr lang="en-US" altLang="ko-KR" sz="2000" spc="-150" smtClean="0">
+            <a:endParaRPr lang="en-US" altLang="ko-KR" sz="2000" spc="-150" dirty="0" smtClean="0">
               <a:ln>
                 <a:solidFill>
                   <a:schemeClr val="accent1">
@@ -2857,6 +2857,156 @@
                 <a:cs typeface="Tahoma" pitchFamily="34" charset="0"/>
               </a:rPr>
               <a:t>나머지 탭 들 구현</a:t>
+            </a:r>
+            <a:endParaRPr lang="en-US" altLang="ko-KR" sz="2000" spc="-150" dirty="0" smtClean="0">
+              <a:ln>
+                <a:solidFill>
+                  <a:schemeClr val="accent1">
+                    <a:alpha val="0"/>
+                  </a:schemeClr>
+                </a:solidFill>
+              </a:ln>
+              <a:solidFill>
+                <a:srgbClr val="996633"/>
+              </a:solidFill>
+              <a:latin typeface="HY견고딕" pitchFamily="18" charset="-127"/>
+              <a:ea typeface="HY견고딕" pitchFamily="18" charset="-127"/>
+              <a:cs typeface="Tahoma" pitchFamily="34" charset="0"/>
+            </a:endParaRPr>
+          </a:p>
+          <a:p>
+            <a:pPr marL="457200" indent="-457200">
+              <a:buFont typeface="Arial" panose="020B0604020202020204" pitchFamily="34" charset="0"/>
+              <a:buChar char="•"/>
+            </a:pPr>
+            <a:endParaRPr lang="en-US" altLang="ko-KR" sz="2000" spc="-150" dirty="0">
+              <a:ln>
+                <a:solidFill>
+                  <a:schemeClr val="accent1">
+                    <a:alpha val="0"/>
+                  </a:schemeClr>
+                </a:solidFill>
+              </a:ln>
+              <a:solidFill>
+                <a:srgbClr val="996633"/>
+              </a:solidFill>
+              <a:latin typeface="HY견고딕" pitchFamily="18" charset="-127"/>
+              <a:ea typeface="HY견고딕" pitchFamily="18" charset="-127"/>
+              <a:cs typeface="Tahoma" pitchFamily="34" charset="0"/>
+            </a:endParaRPr>
+          </a:p>
+          <a:p>
+            <a:pPr marL="457200" indent="-457200">
+              <a:buFont typeface="Arial" panose="020B0604020202020204" pitchFamily="34" charset="0"/>
+              <a:buChar char="•"/>
+            </a:pPr>
+            <a:r>
+              <a:rPr lang="ko-KR" altLang="en-US" sz="2000" spc="-150" dirty="0" err="1" smtClean="0">
+                <a:ln>
+                  <a:solidFill>
+                    <a:schemeClr val="accent1">
+                      <a:alpha val="0"/>
+                    </a:schemeClr>
+                  </a:solidFill>
+                </a:ln>
+                <a:solidFill>
+                  <a:srgbClr val="996633"/>
+                </a:solidFill>
+                <a:latin typeface="HY견고딕" pitchFamily="18" charset="-127"/>
+                <a:ea typeface="HY견고딕" pitchFamily="18" charset="-127"/>
+                <a:cs typeface="Tahoma" pitchFamily="34" charset="0"/>
+              </a:rPr>
+              <a:t>매칭</a:t>
+            </a:r>
+            <a:r>
+              <a:rPr lang="ko-KR" altLang="en-US" sz="2000" spc="-150" dirty="0" smtClean="0">
+                <a:ln>
+                  <a:solidFill>
+                    <a:schemeClr val="accent1">
+                      <a:alpha val="0"/>
+                    </a:schemeClr>
+                  </a:solidFill>
+                </a:ln>
+                <a:solidFill>
+                  <a:srgbClr val="996633"/>
+                </a:solidFill>
+                <a:latin typeface="HY견고딕" pitchFamily="18" charset="-127"/>
+                <a:ea typeface="HY견고딕" pitchFamily="18" charset="-127"/>
+                <a:cs typeface="Tahoma" pitchFamily="34" charset="0"/>
+              </a:rPr>
+              <a:t> 시스템 구현 </a:t>
+            </a:r>
+            <a:r>
+              <a:rPr lang="en-US" altLang="ko-KR" sz="2000" spc="-150" dirty="0" smtClean="0">
+                <a:ln>
+                  <a:solidFill>
+                    <a:schemeClr val="accent1">
+                      <a:alpha val="0"/>
+                    </a:schemeClr>
+                  </a:solidFill>
+                </a:ln>
+                <a:solidFill>
+                  <a:srgbClr val="996633"/>
+                </a:solidFill>
+                <a:latin typeface="HY견고딕" pitchFamily="18" charset="-127"/>
+                <a:ea typeface="HY견고딕" pitchFamily="18" charset="-127"/>
+                <a:cs typeface="Tahoma" pitchFamily="34" charset="0"/>
+              </a:rPr>
+              <a:t>-&gt; </a:t>
+            </a:r>
+            <a:r>
+              <a:rPr lang="ko-KR" altLang="en-US" sz="2000" spc="-150" dirty="0" smtClean="0">
+                <a:ln>
+                  <a:solidFill>
+                    <a:schemeClr val="accent1">
+                      <a:alpha val="0"/>
+                    </a:schemeClr>
+                  </a:solidFill>
+                </a:ln>
+                <a:solidFill>
+                  <a:srgbClr val="996633"/>
+                </a:solidFill>
+                <a:latin typeface="HY견고딕" pitchFamily="18" charset="-127"/>
+                <a:ea typeface="HY견고딕" pitchFamily="18" charset="-127"/>
+                <a:cs typeface="Tahoma" pitchFamily="34" charset="0"/>
+              </a:rPr>
+              <a:t>우리 팀과 가까운 팀을 찾아서 </a:t>
+            </a:r>
+            <a:r>
+              <a:rPr lang="ko-KR" altLang="en-US" sz="2000" spc="-150" err="1" smtClean="0">
+                <a:ln>
+                  <a:solidFill>
+                    <a:schemeClr val="accent1">
+                      <a:alpha val="0"/>
+                    </a:schemeClr>
+                  </a:solidFill>
+                </a:ln>
+                <a:solidFill>
+                  <a:srgbClr val="996633"/>
+                </a:solidFill>
+                <a:latin typeface="HY견고딕" pitchFamily="18" charset="-127"/>
+                <a:ea typeface="HY견고딕" pitchFamily="18" charset="-127"/>
+                <a:cs typeface="Tahoma" pitchFamily="34" charset="0"/>
+              </a:rPr>
+              <a:t>매칭</a:t>
+            </a:r>
+            <a:r>
+              <a:rPr lang="ko-KR" altLang="en-US" sz="2000" spc="-150" smtClean="0">
+                <a:ln>
+                  <a:solidFill>
+                    <a:schemeClr val="accent1">
+                      <a:alpha val="0"/>
+                    </a:schemeClr>
+                  </a:solidFill>
+                </a:ln>
+                <a:solidFill>
+                  <a:srgbClr val="996633"/>
+                </a:solidFill>
+                <a:latin typeface="HY견고딕" pitchFamily="18" charset="-127"/>
+                <a:ea typeface="HY견고딕" pitchFamily="18" charset="-127"/>
+                <a:cs typeface="Tahoma" pitchFamily="34" charset="0"/>
+              </a:rPr>
+              <a:t> 시킨다</a:t>
             </a:r>
             <a:endParaRPr lang="en-US" altLang="ko-KR" sz="2000" spc="-150" dirty="0" smtClean="0">
               <a:ln>
@@ -4342,7 +4492,7 @@
             <a:pPr algn="ctr"/>
             <a:r>
               <a:rPr lang="en-US" altLang="ko-KR" dirty="0" smtClean="0"/>
-              <a:t>Tab1 Activity</a:t>
+              <a:t>Match Activity</a:t>
             </a:r>
             <a:endParaRPr lang="ko-KR" altLang="en-US" dirty="0"/>
           </a:p>
@@ -4385,8 +4535,12 @@
           <a:p>
             <a:pPr algn="ctr"/>
             <a:r>
+              <a:rPr lang="en-US" altLang="ko-KR" dirty="0"/>
+              <a:t>S</a:t>
+            </a:r>
+            <a:r>
               <a:rPr lang="en-US" altLang="ko-KR" dirty="0" smtClean="0"/>
-              <a:t>Tab2 </a:t>
+              <a:t>earch </a:t>
             </a:r>
             <a:r>
               <a:rPr lang="en-US" altLang="ko-KR" dirty="0"/>
@@ -4434,7 +4588,11 @@
             <a:pPr algn="ctr"/>
             <a:r>
               <a:rPr lang="en-US" altLang="ko-KR" dirty="0" smtClean="0"/>
-              <a:t>Tab3 </a:t>
+              <a:t>Team</a:t>
+            </a:r>
+            <a:r>
+              <a:rPr lang="en-US" altLang="ko-KR" dirty="0" smtClean="0"/>
+              <a:t> </a:t>
             </a:r>
             <a:r>
               <a:rPr lang="en-US" altLang="ko-KR" dirty="0"/>
@@ -4482,10 +4640,10 @@
             <a:pPr algn="ctr"/>
             <a:r>
               <a:rPr lang="en-US" altLang="ko-KR" dirty="0" smtClean="0"/>
-              <a:t>Tab4 </a:t>
-            </a:r>
-            <a:r>
-              <a:rPr lang="en-US" altLang="ko-KR" dirty="0"/>
+              <a:t>Profile </a:t>
+            </a:r>
+            <a:r>
+              <a:rPr lang="en-US" altLang="ko-KR" dirty="0" smtClean="0"/>
               <a:t>Activity</a:t>
             </a:r>
             <a:endParaRPr lang="ko-KR" altLang="en-US" dirty="0"/>

--- a/모바일 중간보고서 20093296 배판근.pptx
+++ b/모바일 중간보고서 20093296 배판근.pptx
@@ -2595,7 +2595,7 @@
         <p:spPr>
           <a:xfrm>
             <a:off x="755576" y="2060848"/>
-            <a:ext cx="7462785" cy="3477875"/>
+            <a:ext cx="7462785" cy="2862322"/>
           </a:xfrm>
           <a:prstGeom prst="rect">
             <a:avLst/>
@@ -2798,7 +2798,7 @@
               </a:rPr>
               <a:t>를 이용한 지역검색 자동완성기능 완성</a:t>
             </a:r>
-            <a:endParaRPr lang="en-US" altLang="ko-KR" sz="2000" spc="-150" dirty="0" smtClean="0">
+            <a:endParaRPr lang="en-US" altLang="ko-KR" sz="2000" spc="-150" smtClean="0">
               <a:ln>
                 <a:solidFill>
                   <a:schemeClr val="accent1">
@@ -2857,156 +2857,6 @@
                 <a:cs typeface="Tahoma" pitchFamily="34" charset="0"/>
               </a:rPr>
               <a:t>나머지 탭 들 구현</a:t>
-            </a:r>
-            <a:endParaRPr lang="en-US" altLang="ko-KR" sz="2000" spc="-150" dirty="0" smtClean="0">
-              <a:ln>
-                <a:solidFill>
-                  <a:schemeClr val="accent1">
-                    <a:alpha val="0"/>
-                  </a:schemeClr>
-                </a:solidFill>
-              </a:ln>
-              <a:solidFill>
-                <a:srgbClr val="996633"/>
-              </a:solidFill>
-              <a:latin typeface="HY견고딕" pitchFamily="18" charset="-127"/>
-              <a:ea typeface="HY견고딕" pitchFamily="18" charset="-127"/>
-              <a:cs typeface="Tahoma" pitchFamily="34" charset="0"/>
-            </a:endParaRPr>
-          </a:p>
-          <a:p>
-            <a:pPr marL="457200" indent="-457200">
-              <a:buFont typeface="Arial" panose="020B0604020202020204" pitchFamily="34" charset="0"/>
-              <a:buChar char="•"/>
-            </a:pPr>
-            <a:endParaRPr lang="en-US" altLang="ko-KR" sz="2000" spc="-150" dirty="0">
-              <a:ln>
-                <a:solidFill>
-                  <a:schemeClr val="accent1">
-                    <a:alpha val="0"/>
-                  </a:schemeClr>
-                </a:solidFill>
-              </a:ln>
-              <a:solidFill>
-                <a:srgbClr val="996633"/>
-              </a:solidFill>
-              <a:latin typeface="HY견고딕" pitchFamily="18" charset="-127"/>
-              <a:ea typeface="HY견고딕" pitchFamily="18" charset="-127"/>
-              <a:cs typeface="Tahoma" pitchFamily="34" charset="0"/>
-            </a:endParaRPr>
-          </a:p>
-          <a:p>
-            <a:pPr marL="457200" indent="-457200">
-              <a:buFont typeface="Arial" panose="020B0604020202020204" pitchFamily="34" charset="0"/>
-              <a:buChar char="•"/>
-            </a:pPr>
-            <a:r>
-              <a:rPr lang="ko-KR" altLang="en-US" sz="2000" spc="-150" dirty="0" err="1" smtClean="0">
-                <a:ln>
-                  <a:solidFill>
-                    <a:schemeClr val="accent1">
-                      <a:alpha val="0"/>
-                    </a:schemeClr>
-                  </a:solidFill>
-                </a:ln>
-                <a:solidFill>
-                  <a:srgbClr val="996633"/>
-                </a:solidFill>
-                <a:latin typeface="HY견고딕" pitchFamily="18" charset="-127"/>
-                <a:ea typeface="HY견고딕" pitchFamily="18" charset="-127"/>
-                <a:cs typeface="Tahoma" pitchFamily="34" charset="0"/>
-              </a:rPr>
-              <a:t>매칭</a:t>
-            </a:r>
-            <a:r>
-              <a:rPr lang="ko-KR" altLang="en-US" sz="2000" spc="-150" dirty="0" smtClean="0">
-                <a:ln>
-                  <a:solidFill>
-                    <a:schemeClr val="accent1">
-                      <a:alpha val="0"/>
-                    </a:schemeClr>
-                  </a:solidFill>
-                </a:ln>
-                <a:solidFill>
-                  <a:srgbClr val="996633"/>
-                </a:solidFill>
-                <a:latin typeface="HY견고딕" pitchFamily="18" charset="-127"/>
-                <a:ea typeface="HY견고딕" pitchFamily="18" charset="-127"/>
-                <a:cs typeface="Tahoma" pitchFamily="34" charset="0"/>
-              </a:rPr>
-              <a:t> 시스템 구현 </a:t>
-            </a:r>
-            <a:r>
-              <a:rPr lang="en-US" altLang="ko-KR" sz="2000" spc="-150" dirty="0" smtClean="0">
-                <a:ln>
-                  <a:solidFill>
-                    <a:schemeClr val="accent1">
-                      <a:alpha val="0"/>
-                    </a:schemeClr>
-                  </a:solidFill>
-                </a:ln>
-                <a:solidFill>
-                  <a:srgbClr val="996633"/>
-                </a:solidFill>
-                <a:latin typeface="HY견고딕" pitchFamily="18" charset="-127"/>
-                <a:ea typeface="HY견고딕" pitchFamily="18" charset="-127"/>
-                <a:cs typeface="Tahoma" pitchFamily="34" charset="0"/>
-              </a:rPr>
-              <a:t>-&gt; </a:t>
-            </a:r>
-            <a:r>
-              <a:rPr lang="ko-KR" altLang="en-US" sz="2000" spc="-150" dirty="0" smtClean="0">
-                <a:ln>
-                  <a:solidFill>
-                    <a:schemeClr val="accent1">
-                      <a:alpha val="0"/>
-                    </a:schemeClr>
-                  </a:solidFill>
-                </a:ln>
-                <a:solidFill>
-                  <a:srgbClr val="996633"/>
-                </a:solidFill>
-                <a:latin typeface="HY견고딕" pitchFamily="18" charset="-127"/>
-                <a:ea typeface="HY견고딕" pitchFamily="18" charset="-127"/>
-                <a:cs typeface="Tahoma" pitchFamily="34" charset="0"/>
-              </a:rPr>
-              <a:t>우리 팀과 가까운 팀을 찾아서 </a:t>
-            </a:r>
-            <a:r>
-              <a:rPr lang="ko-KR" altLang="en-US" sz="2000" spc="-150" err="1" smtClean="0">
-                <a:ln>
-                  <a:solidFill>
-                    <a:schemeClr val="accent1">
-                      <a:alpha val="0"/>
-                    </a:schemeClr>
-                  </a:solidFill>
-                </a:ln>
-                <a:solidFill>
-                  <a:srgbClr val="996633"/>
-                </a:solidFill>
-                <a:latin typeface="HY견고딕" pitchFamily="18" charset="-127"/>
-                <a:ea typeface="HY견고딕" pitchFamily="18" charset="-127"/>
-                <a:cs typeface="Tahoma" pitchFamily="34" charset="0"/>
-              </a:rPr>
-              <a:t>매칭</a:t>
-            </a:r>
-            <a:r>
-              <a:rPr lang="ko-KR" altLang="en-US" sz="2000" spc="-150" smtClean="0">
-                <a:ln>
-                  <a:solidFill>
-                    <a:schemeClr val="accent1">
-                      <a:alpha val="0"/>
-                    </a:schemeClr>
-                  </a:solidFill>
-                </a:ln>
-                <a:solidFill>
-                  <a:srgbClr val="996633"/>
-                </a:solidFill>
-                <a:latin typeface="HY견고딕" pitchFamily="18" charset="-127"/>
-                <a:ea typeface="HY견고딕" pitchFamily="18" charset="-127"/>
-                <a:cs typeface="Tahoma" pitchFamily="34" charset="0"/>
-              </a:rPr>
-              <a:t> 시킨다</a:t>
             </a:r>
             <a:endParaRPr lang="en-US" altLang="ko-KR" sz="2000" spc="-150" dirty="0" smtClean="0">
               <a:ln>
@@ -4492,7 +4342,7 @@
             <a:pPr algn="ctr"/>
             <a:r>
               <a:rPr lang="en-US" altLang="ko-KR" dirty="0" smtClean="0"/>
-              <a:t>Match Activity</a:t>
+              <a:t>Tab1 Activity</a:t>
             </a:r>
             <a:endParaRPr lang="ko-KR" altLang="en-US" dirty="0"/>
           </a:p>
@@ -4535,12 +4385,8 @@
           <a:p>
             <a:pPr algn="ctr"/>
             <a:r>
-              <a:rPr lang="en-US" altLang="ko-KR" dirty="0"/>
-              <a:t>S</a:t>
-            </a:r>
-            <a:r>
               <a:rPr lang="en-US" altLang="ko-KR" dirty="0" smtClean="0"/>
-              <a:t>earch </a:t>
+              <a:t>Tab2 </a:t>
             </a:r>
             <a:r>
               <a:rPr lang="en-US" altLang="ko-KR" dirty="0"/>
@@ -4588,11 +4434,7 @@
             <a:pPr algn="ctr"/>
             <a:r>
               <a:rPr lang="en-US" altLang="ko-KR" dirty="0" smtClean="0"/>
-              <a:t>Team</a:t>
-            </a:r>
-            <a:r>
-              <a:rPr lang="en-US" altLang="ko-KR" dirty="0" smtClean="0"/>
-              <a:t> </a:t>
+              <a:t>Tab3 </a:t>
             </a:r>
             <a:r>
               <a:rPr lang="en-US" altLang="ko-KR" dirty="0"/>
@@ -4640,10 +4482,10 @@
             <a:pPr algn="ctr"/>
             <a:r>
               <a:rPr lang="en-US" altLang="ko-KR" dirty="0" smtClean="0"/>
-              <a:t>Profile </a:t>
-            </a:r>
-            <a:r>
-              <a:rPr lang="en-US" altLang="ko-KR" dirty="0" smtClean="0"/>
+              <a:t>Tab4 </a:t>
+            </a:r>
+            <a:r>
+              <a:rPr lang="en-US" altLang="ko-KR" dirty="0"/>
               <a:t>Activity</a:t>
             </a:r>
             <a:endParaRPr lang="ko-KR" altLang="en-US" dirty="0"/>
